--- a/Servidor/Temas/2_1 - Persistencia con Hibernate.pptx
+++ b/Servidor/Temas/2_1 - Persistencia con Hibernate.pptx
@@ -1,11 +1,11 @@
 
 <file path=ppt/presentation.xml><?xml version="1.0" encoding="utf-8"?>
-<p:presentation xmlns:a="http://schemas.openxmlformats.org/drawingml/2006/main" xmlns:r="http://schemas.openxmlformats.org/officeDocument/2006/relationships" xmlns:p="http://schemas.openxmlformats.org/presentationml/2006/main" strictFirstAndLastChars="0" saveSubsetFonts="1" autoCompressPictures="0">
+<p:presentation xmlns:a="http://schemas.openxmlformats.org/drawingml/2006/main" xmlns:r="http://schemas.openxmlformats.org/officeDocument/2006/relationships" xmlns:p="http://schemas.openxmlformats.org/presentationml/2006/main" strictFirstAndLastChars="0" embedTrueTypeFonts="1" saveSubsetFonts="1" autoCompressPictures="0">
   <p:sldMasterIdLst>
     <p:sldMasterId id="2147483654" r:id="rId1"/>
   </p:sldMasterIdLst>
   <p:notesMasterIdLst>
-    <p:notesMasterId r:id="rId22"/>
+    <p:notesMasterId r:id="rId24"/>
   </p:notesMasterIdLst>
   <p:sldIdLst>
     <p:sldId id="256" r:id="rId2"/>
@@ -28,9 +28,18 @@
     <p:sldId id="273" r:id="rId19"/>
     <p:sldId id="274" r:id="rId20"/>
     <p:sldId id="275" r:id="rId21"/>
+    <p:sldId id="276" r:id="rId22"/>
+    <p:sldId id="277" r:id="rId23"/>
   </p:sldIdLst>
   <p:sldSz cx="9144000" cy="5143500" type="screen16x9"/>
   <p:notesSz cx="6858000" cy="9144000"/>
+  <p:embeddedFontLst>
+    <p:embeddedFont>
+      <p:font typeface="Source Code Pro" charset="0"/>
+      <p:regular r:id="rId25"/>
+      <p:bold r:id="rId26"/>
+    </p:embeddedFont>
+  </p:embeddedFontLst>
   <p:defaultTextStyle>
     <a:defPPr marR="0" lvl="0" algn="l" rtl="0">
       <a:lnSpc>
@@ -398,7 +407,7 @@
     </p:spTree>
     <p:extLst>
       <p:ext uri="{BB962C8B-B14F-4D97-AF65-F5344CB8AC3E}">
-        <p14:creationId xmlns:p14="http://schemas.microsoft.com/office/powerpoint/2010/main" val="1371833691"/>
+        <p14:creationId xmlns:p14="http://schemas.microsoft.com/office/powerpoint/2010/main" val="3115959647"/>
       </p:ext>
     </p:extLst>
   </p:cSld>
@@ -604,7 +613,7 @@
   <p:cSld>
     <p:spTree>
       <p:nvGrpSpPr>
-        <p:cNvPr id="1" name="Shape 102"/>
+        <p:cNvPr id="1" name="Shape 99"/>
         <p:cNvGrpSpPr/>
         <p:nvPr/>
       </p:nvGrpSpPr>
@@ -618,7 +627,7 @@
       </p:grpSpPr>
       <p:sp>
         <p:nvSpPr>
-          <p:cNvPr id="103" name="Shape 103"/>
+          <p:cNvPr id="100" name="Shape 100"/>
           <p:cNvSpPr>
             <a:spLocks noGrp="1" noRot="1" noChangeAspect="1"/>
           </p:cNvSpPr>
@@ -659,7 +668,7 @@
       </p:sp>
       <p:sp>
         <p:nvSpPr>
-          <p:cNvPr id="104" name="Shape 104"/>
+          <p:cNvPr id="101" name="Shape 101"/>
           <p:cNvSpPr txBox="1">
             <a:spLocks noGrp="1"/>
           </p:cNvSpPr>
@@ -705,7 +714,7 @@
   <p:cSld>
     <p:spTree>
       <p:nvGrpSpPr>
-        <p:cNvPr id="1" name="Shape 109"/>
+        <p:cNvPr id="1" name="Shape 108"/>
         <p:cNvGrpSpPr/>
         <p:nvPr/>
       </p:nvGrpSpPr>
@@ -719,7 +728,7 @@
       </p:grpSpPr>
       <p:sp>
         <p:nvSpPr>
-          <p:cNvPr id="110" name="Shape 110"/>
+          <p:cNvPr id="109" name="Shape 109"/>
           <p:cNvSpPr>
             <a:spLocks noGrp="1" noRot="1" noChangeAspect="1"/>
           </p:cNvSpPr>
@@ -729,8 +738,8 @@
         </p:nvSpPr>
         <p:spPr>
           <a:xfrm>
-            <a:off x="381187" y="685800"/>
-            <a:ext cx="6096299" cy="3429000"/>
+            <a:off x="381000" y="685800"/>
+            <a:ext cx="6096000" cy="3429000"/>
           </a:xfrm>
           <a:custGeom>
             <a:avLst/>
@@ -760,7 +769,7 @@
       </p:sp>
       <p:sp>
         <p:nvSpPr>
-          <p:cNvPr id="111" name="Shape 111"/>
+          <p:cNvPr id="110" name="Shape 110"/>
           <p:cNvSpPr txBox="1">
             <a:spLocks noGrp="1"/>
           </p:cNvSpPr>
@@ -806,7 +815,7 @@
   <p:cSld>
     <p:spTree>
       <p:nvGrpSpPr>
-        <p:cNvPr id="1" name="Shape 121"/>
+        <p:cNvPr id="1" name="Shape 119"/>
         <p:cNvGrpSpPr/>
         <p:nvPr/>
       </p:nvGrpSpPr>
@@ -820,7 +829,7 @@
       </p:grpSpPr>
       <p:sp>
         <p:nvSpPr>
-          <p:cNvPr id="122" name="Shape 122"/>
+          <p:cNvPr id="120" name="Shape 120"/>
           <p:cNvSpPr>
             <a:spLocks noGrp="1" noRot="1" noChangeAspect="1"/>
           </p:cNvSpPr>
@@ -861,7 +870,7 @@
       </p:sp>
       <p:sp>
         <p:nvSpPr>
-          <p:cNvPr id="123" name="Shape 123"/>
+          <p:cNvPr id="121" name="Shape 121"/>
           <p:cNvSpPr txBox="1">
             <a:spLocks noGrp="1"/>
           </p:cNvSpPr>
@@ -907,7 +916,7 @@
   <p:cSld>
     <p:spTree>
       <p:nvGrpSpPr>
-        <p:cNvPr id="1" name="Shape 130"/>
+        <p:cNvPr id="1" name="Shape 126"/>
         <p:cNvGrpSpPr/>
         <p:nvPr/>
       </p:nvGrpSpPr>
@@ -921,7 +930,7 @@
       </p:grpSpPr>
       <p:sp>
         <p:nvSpPr>
-          <p:cNvPr id="131" name="Shape 131"/>
+          <p:cNvPr id="127" name="Shape 127"/>
           <p:cNvSpPr>
             <a:spLocks noGrp="1" noRot="1" noChangeAspect="1"/>
           </p:cNvSpPr>
@@ -931,8 +940,8 @@
         </p:nvSpPr>
         <p:spPr>
           <a:xfrm>
-            <a:off x="381187" y="685800"/>
-            <a:ext cx="6096299" cy="3429000"/>
+            <a:off x="381000" y="685800"/>
+            <a:ext cx="6096000" cy="3429000"/>
           </a:xfrm>
           <a:custGeom>
             <a:avLst/>
@@ -962,7 +971,7 @@
       </p:sp>
       <p:sp>
         <p:nvSpPr>
-          <p:cNvPr id="132" name="Shape 132"/>
+          <p:cNvPr id="128" name="Shape 128"/>
           <p:cNvSpPr txBox="1">
             <a:spLocks noGrp="1"/>
           </p:cNvSpPr>
@@ -1008,7 +1017,7 @@
   <p:cSld>
     <p:spTree>
       <p:nvGrpSpPr>
-        <p:cNvPr id="1" name="Shape 136"/>
+        <p:cNvPr id="1" name="Shape 138"/>
         <p:cNvGrpSpPr/>
         <p:nvPr/>
       </p:nvGrpSpPr>
@@ -1022,7 +1031,7 @@
       </p:grpSpPr>
       <p:sp>
         <p:nvSpPr>
-          <p:cNvPr id="137" name="Shape 137"/>
+          <p:cNvPr id="139" name="Shape 139"/>
           <p:cNvSpPr>
             <a:spLocks noGrp="1" noRot="1" noChangeAspect="1"/>
           </p:cNvSpPr>
@@ -1063,7 +1072,7 @@
       </p:sp>
       <p:sp>
         <p:nvSpPr>
-          <p:cNvPr id="138" name="Shape 138"/>
+          <p:cNvPr id="140" name="Shape 140"/>
           <p:cNvSpPr txBox="1">
             <a:spLocks noGrp="1"/>
           </p:cNvSpPr>
@@ -1109,7 +1118,7 @@
   <p:cSld>
     <p:spTree>
       <p:nvGrpSpPr>
-        <p:cNvPr id="1" name="Shape 160"/>
+        <p:cNvPr id="1" name="Shape 147"/>
         <p:cNvGrpSpPr/>
         <p:nvPr/>
       </p:nvGrpSpPr>
@@ -1123,7 +1132,7 @@
       </p:grpSpPr>
       <p:sp>
         <p:nvSpPr>
-          <p:cNvPr id="161" name="Shape 161"/>
+          <p:cNvPr id="148" name="Shape 148"/>
           <p:cNvSpPr>
             <a:spLocks noGrp="1" noRot="1" noChangeAspect="1"/>
           </p:cNvSpPr>
@@ -1164,7 +1173,7 @@
       </p:sp>
       <p:sp>
         <p:nvSpPr>
-          <p:cNvPr id="162" name="Shape 162"/>
+          <p:cNvPr id="149" name="Shape 149"/>
           <p:cNvSpPr txBox="1">
             <a:spLocks noGrp="1"/>
           </p:cNvSpPr>
@@ -1210,7 +1219,7 @@
   <p:cSld>
     <p:spTree>
       <p:nvGrpSpPr>
-        <p:cNvPr id="1" name="Shape 166"/>
+        <p:cNvPr id="1" name="Shape 153"/>
         <p:cNvGrpSpPr/>
         <p:nvPr/>
       </p:nvGrpSpPr>
@@ -1224,7 +1233,7 @@
       </p:grpSpPr>
       <p:sp>
         <p:nvSpPr>
-          <p:cNvPr id="167" name="Shape 167"/>
+          <p:cNvPr id="154" name="Shape 154"/>
           <p:cNvSpPr>
             <a:spLocks noGrp="1" noRot="1" noChangeAspect="1"/>
           </p:cNvSpPr>
@@ -1265,7 +1274,7 @@
       </p:sp>
       <p:sp>
         <p:nvSpPr>
-          <p:cNvPr id="168" name="Shape 168"/>
+          <p:cNvPr id="155" name="Shape 155"/>
           <p:cNvSpPr txBox="1">
             <a:spLocks noGrp="1"/>
           </p:cNvSpPr>
@@ -1311,7 +1320,7 @@
   <p:cSld>
     <p:spTree>
       <p:nvGrpSpPr>
-        <p:cNvPr id="1" name="Shape 172"/>
+        <p:cNvPr id="1" name="Shape 177"/>
         <p:cNvGrpSpPr/>
         <p:nvPr/>
       </p:nvGrpSpPr>
@@ -1325,7 +1334,7 @@
       </p:grpSpPr>
       <p:sp>
         <p:nvSpPr>
-          <p:cNvPr id="173" name="Shape 173"/>
+          <p:cNvPr id="178" name="Shape 178"/>
           <p:cNvSpPr>
             <a:spLocks noGrp="1" noRot="1" noChangeAspect="1"/>
           </p:cNvSpPr>
@@ -1366,7 +1375,7 @@
       </p:sp>
       <p:sp>
         <p:nvSpPr>
-          <p:cNvPr id="174" name="Shape 174"/>
+          <p:cNvPr id="179" name="Shape 179"/>
           <p:cNvSpPr txBox="1">
             <a:spLocks noGrp="1"/>
           </p:cNvSpPr>
@@ -1412,7 +1421,7 @@
   <p:cSld>
     <p:spTree>
       <p:nvGrpSpPr>
-        <p:cNvPr id="1" name="Shape 178"/>
+        <p:cNvPr id="1" name="Shape 183"/>
         <p:cNvGrpSpPr/>
         <p:nvPr/>
       </p:nvGrpSpPr>
@@ -1426,7 +1435,7 @@
       </p:grpSpPr>
       <p:sp>
         <p:nvSpPr>
-          <p:cNvPr id="179" name="Shape 179"/>
+          <p:cNvPr id="184" name="Shape 184"/>
           <p:cNvSpPr>
             <a:spLocks noGrp="1" noRot="1" noChangeAspect="1"/>
           </p:cNvSpPr>
@@ -1467,7 +1476,7 @@
       </p:sp>
       <p:sp>
         <p:nvSpPr>
-          <p:cNvPr id="180" name="Shape 180"/>
+          <p:cNvPr id="185" name="Shape 185"/>
           <p:cNvSpPr txBox="1">
             <a:spLocks noGrp="1"/>
           </p:cNvSpPr>
@@ -1513,7 +1522,7 @@
   <p:cSld>
     <p:spTree>
       <p:nvGrpSpPr>
-        <p:cNvPr id="1" name="Shape 184"/>
+        <p:cNvPr id="1" name="Shape 189"/>
         <p:cNvGrpSpPr/>
         <p:nvPr/>
       </p:nvGrpSpPr>
@@ -1527,7 +1536,7 @@
       </p:grpSpPr>
       <p:sp>
         <p:nvSpPr>
-          <p:cNvPr id="185" name="Shape 185"/>
+          <p:cNvPr id="190" name="Shape 190"/>
           <p:cNvSpPr>
             <a:spLocks noGrp="1" noRot="1" noChangeAspect="1"/>
           </p:cNvSpPr>
@@ -1568,7 +1577,7 @@
       </p:sp>
       <p:sp>
         <p:nvSpPr>
-          <p:cNvPr id="186" name="Shape 186"/>
+          <p:cNvPr id="191" name="Shape 191"/>
           <p:cNvSpPr txBox="1">
             <a:spLocks noGrp="1"/>
           </p:cNvSpPr>
@@ -1638,8 +1647,8 @@
         </p:nvSpPr>
         <p:spPr>
           <a:xfrm>
-            <a:off x="381000" y="685800"/>
-            <a:ext cx="6096000" cy="3429000"/>
+            <a:off x="381187" y="685800"/>
+            <a:ext cx="6096299" cy="3429000"/>
           </a:xfrm>
           <a:custGeom>
             <a:avLst/>
@@ -1715,7 +1724,7 @@
   <p:cSld>
     <p:spTree>
       <p:nvGrpSpPr>
-        <p:cNvPr id="1" name="Shape 192"/>
+        <p:cNvPr id="1" name="Shape 195"/>
         <p:cNvGrpSpPr/>
         <p:nvPr/>
       </p:nvGrpSpPr>
@@ -1729,7 +1738,7 @@
       </p:grpSpPr>
       <p:sp>
         <p:nvSpPr>
-          <p:cNvPr id="193" name="Shape 193"/>
+          <p:cNvPr id="196" name="Shape 196"/>
           <p:cNvSpPr>
             <a:spLocks noGrp="1" noRot="1" noChangeAspect="1"/>
           </p:cNvSpPr>
@@ -1770,7 +1779,209 @@
       </p:sp>
       <p:sp>
         <p:nvSpPr>
-          <p:cNvPr id="194" name="Shape 194"/>
+          <p:cNvPr id="197" name="Shape 197"/>
+          <p:cNvSpPr txBox="1">
+            <a:spLocks noGrp="1"/>
+          </p:cNvSpPr>
+          <p:nvPr>
+            <p:ph type="body" idx="1"/>
+          </p:nvPr>
+        </p:nvSpPr>
+        <p:spPr>
+          <a:xfrm>
+            <a:off x="685800" y="4343400"/>
+            <a:ext cx="5486399" cy="4114800"/>
+          </a:xfrm>
+          <a:prstGeom prst="rect">
+            <a:avLst/>
+          </a:prstGeom>
+        </p:spPr>
+        <p:txBody>
+          <a:bodyPr lIns="91425" tIns="91425" rIns="91425" bIns="91425" anchor="t" anchorCtr="0">
+            <a:noAutofit/>
+          </a:bodyPr>
+          <a:lstStyle/>
+          <a:p>
+            <a:pPr lvl="0">
+              <a:spcBef>
+                <a:spcPts val="0"/>
+              </a:spcBef>
+              <a:buNone/>
+            </a:pPr>
+            <a:endParaRPr/>
+          </a:p>
+        </p:txBody>
+      </p:sp>
+    </p:spTree>
+  </p:cSld>
+  <p:clrMapOvr>
+    <a:masterClrMapping/>
+  </p:clrMapOvr>
+</p:notes>
+</file>
+
+<file path=ppt/notesSlides/notesSlide21.xml><?xml version="1.0" encoding="utf-8"?>
+<p:notes xmlns:a="http://schemas.openxmlformats.org/drawingml/2006/main" xmlns:r="http://schemas.openxmlformats.org/officeDocument/2006/relationships" xmlns:p="http://schemas.openxmlformats.org/presentationml/2006/main" showMasterSp="0" showMasterPhAnim="0">
+  <p:cSld>
+    <p:spTree>
+      <p:nvGrpSpPr>
+        <p:cNvPr id="1" name="Shape 201"/>
+        <p:cNvGrpSpPr/>
+        <p:nvPr/>
+      </p:nvGrpSpPr>
+      <p:grpSpPr>
+        <a:xfrm>
+          <a:off x="0" y="0"/>
+          <a:ext cx="0" cy="0"/>
+          <a:chOff x="0" y="0"/>
+          <a:chExt cx="0" cy="0"/>
+        </a:xfrm>
+      </p:grpSpPr>
+      <p:sp>
+        <p:nvSpPr>
+          <p:cNvPr id="202" name="Shape 202"/>
+          <p:cNvSpPr>
+            <a:spLocks noGrp="1" noRot="1" noChangeAspect="1"/>
+          </p:cNvSpPr>
+          <p:nvPr>
+            <p:ph type="sldImg" idx="2"/>
+          </p:nvPr>
+        </p:nvSpPr>
+        <p:spPr>
+          <a:xfrm>
+            <a:off x="381187" y="685800"/>
+            <a:ext cx="6096299" cy="3429000"/>
+          </a:xfrm>
+          <a:custGeom>
+            <a:avLst/>
+            <a:gdLst/>
+            <a:ahLst/>
+            <a:cxnLst/>
+            <a:rect l="0" t="0" r="0" b="0"/>
+            <a:pathLst>
+              <a:path w="120000" h="120000" extrusionOk="0">
+                <a:moveTo>
+                  <a:pt x="0" y="0"/>
+                </a:moveTo>
+                <a:lnTo>
+                  <a:pt x="120000" y="0"/>
+                </a:lnTo>
+                <a:lnTo>
+                  <a:pt x="120000" y="120000"/>
+                </a:lnTo>
+                <a:lnTo>
+                  <a:pt x="0" y="120000"/>
+                </a:lnTo>
+                <a:close/>
+              </a:path>
+            </a:pathLst>
+          </a:custGeom>
+        </p:spPr>
+      </p:sp>
+      <p:sp>
+        <p:nvSpPr>
+          <p:cNvPr id="203" name="Shape 203"/>
+          <p:cNvSpPr txBox="1">
+            <a:spLocks noGrp="1"/>
+          </p:cNvSpPr>
+          <p:nvPr>
+            <p:ph type="body" idx="1"/>
+          </p:nvPr>
+        </p:nvSpPr>
+        <p:spPr>
+          <a:xfrm>
+            <a:off x="685800" y="4343400"/>
+            <a:ext cx="5486399" cy="4114800"/>
+          </a:xfrm>
+          <a:prstGeom prst="rect">
+            <a:avLst/>
+          </a:prstGeom>
+        </p:spPr>
+        <p:txBody>
+          <a:bodyPr lIns="91425" tIns="91425" rIns="91425" bIns="91425" anchor="t" anchorCtr="0">
+            <a:noAutofit/>
+          </a:bodyPr>
+          <a:lstStyle/>
+          <a:p>
+            <a:pPr lvl="0">
+              <a:spcBef>
+                <a:spcPts val="0"/>
+              </a:spcBef>
+              <a:buNone/>
+            </a:pPr>
+            <a:endParaRPr/>
+          </a:p>
+        </p:txBody>
+      </p:sp>
+    </p:spTree>
+  </p:cSld>
+  <p:clrMapOvr>
+    <a:masterClrMapping/>
+  </p:clrMapOvr>
+</p:notes>
+</file>
+
+<file path=ppt/notesSlides/notesSlide22.xml><?xml version="1.0" encoding="utf-8"?>
+<p:notes xmlns:a="http://schemas.openxmlformats.org/drawingml/2006/main" xmlns:r="http://schemas.openxmlformats.org/officeDocument/2006/relationships" xmlns:p="http://schemas.openxmlformats.org/presentationml/2006/main" showMasterSp="0" showMasterPhAnim="0">
+  <p:cSld>
+    <p:spTree>
+      <p:nvGrpSpPr>
+        <p:cNvPr id="1" name="Shape 209"/>
+        <p:cNvGrpSpPr/>
+        <p:nvPr/>
+      </p:nvGrpSpPr>
+      <p:grpSpPr>
+        <a:xfrm>
+          <a:off x="0" y="0"/>
+          <a:ext cx="0" cy="0"/>
+          <a:chOff x="0" y="0"/>
+          <a:chExt cx="0" cy="0"/>
+        </a:xfrm>
+      </p:grpSpPr>
+      <p:sp>
+        <p:nvSpPr>
+          <p:cNvPr id="210" name="Shape 210"/>
+          <p:cNvSpPr>
+            <a:spLocks noGrp="1" noRot="1" noChangeAspect="1"/>
+          </p:cNvSpPr>
+          <p:nvPr>
+            <p:ph type="sldImg" idx="2"/>
+          </p:nvPr>
+        </p:nvSpPr>
+        <p:spPr>
+          <a:xfrm>
+            <a:off x="381187" y="685800"/>
+            <a:ext cx="6096299" cy="3429000"/>
+          </a:xfrm>
+          <a:custGeom>
+            <a:avLst/>
+            <a:gdLst/>
+            <a:ahLst/>
+            <a:cxnLst/>
+            <a:rect l="0" t="0" r="0" b="0"/>
+            <a:pathLst>
+              <a:path w="120000" h="120000" extrusionOk="0">
+                <a:moveTo>
+                  <a:pt x="0" y="0"/>
+                </a:moveTo>
+                <a:lnTo>
+                  <a:pt x="120000" y="0"/>
+                </a:lnTo>
+                <a:lnTo>
+                  <a:pt x="120000" y="120000"/>
+                </a:lnTo>
+                <a:lnTo>
+                  <a:pt x="0" y="120000"/>
+                </a:lnTo>
+                <a:close/>
+              </a:path>
+            </a:pathLst>
+          </a:custGeom>
+        </p:spPr>
+      </p:sp>
+      <p:sp>
+        <p:nvSpPr>
+          <p:cNvPr id="211" name="Shape 211"/>
           <p:cNvSpPr txBox="1">
             <a:spLocks noGrp="1"/>
           </p:cNvSpPr>
@@ -2399,6 +2610,111 @@
           </a:bodyPr>
           <a:lstStyle/>
           <a:p>
+            <a:pPr lvl="0" rtl="0">
+              <a:spcBef>
+                <a:spcPts val="0"/>
+              </a:spcBef>
+              <a:buNone/>
+            </a:pPr>
+            <a:r>
+              <a:rPr lang="es"/>
+              <a:t>En la versión anterior se creaba así:</a:t>
+            </a:r>
+          </a:p>
+          <a:p>
+            <a:pPr lvl="0" rtl="0">
+              <a:spcBef>
+                <a:spcPts val="0"/>
+              </a:spcBef>
+              <a:buNone/>
+            </a:pPr>
+            <a:endParaRPr/>
+          </a:p>
+          <a:p>
+            <a:pPr lvl="0" rtl="0">
+              <a:spcBef>
+                <a:spcPts val="0"/>
+              </a:spcBef>
+              <a:buNone/>
+            </a:pPr>
+            <a:r>
+              <a:rPr lang="es"/>
+              <a:t>// Inicialización de la sesión Hibernate para operaciones de</a:t>
+            </a:r>
+          </a:p>
+          <a:p>
+            <a:pPr lvl="0" rtl="0">
+              <a:spcBef>
+                <a:spcPts val="0"/>
+              </a:spcBef>
+              <a:buNone/>
+            </a:pPr>
+            <a:r>
+              <a:rPr lang="es"/>
+              <a:t>		// persistencia</a:t>
+            </a:r>
+          </a:p>
+          <a:p>
+            <a:pPr lvl="0" rtl="0">
+              <a:spcBef>
+                <a:spcPts val="0"/>
+              </a:spcBef>
+              <a:buNone/>
+            </a:pPr>
+            <a:r>
+              <a:rPr lang="es"/>
+              <a:t>		Configuration configuration = new Configuration().configure();</a:t>
+            </a:r>
+          </a:p>
+          <a:p>
+            <a:pPr lvl="0" rtl="0">
+              <a:spcBef>
+                <a:spcPts val="0"/>
+              </a:spcBef>
+              <a:buNone/>
+            </a:pPr>
+            <a:r>
+              <a:rPr lang="es"/>
+              <a:t>		ServiceRegistry serviceRegistry = new StandardServiceRegistryBuilder()</a:t>
+            </a:r>
+          </a:p>
+          <a:p>
+            <a:pPr lvl="0" rtl="0">
+              <a:spcBef>
+                <a:spcPts val="0"/>
+              </a:spcBef>
+              <a:buNone/>
+            </a:pPr>
+            <a:r>
+              <a:rPr lang="es"/>
+              <a:t>				.applySettings(configuration.getProperties()).build();</a:t>
+            </a:r>
+          </a:p>
+          <a:p>
+            <a:pPr lvl="0" rtl="0">
+              <a:spcBef>
+                <a:spcPts val="0"/>
+              </a:spcBef>
+              <a:buNone/>
+            </a:pPr>
+            <a:r>
+              <a:rPr lang="es"/>
+              <a:t>		SessionFactory factoria=configuration.buildSessionFactory(serviceRegistry);</a:t>
+            </a:r>
+          </a:p>
+          <a:p>
+            <a:pPr lvl="0" rtl="0">
+              <a:spcBef>
+                <a:spcPts val="0"/>
+              </a:spcBef>
+              <a:buNone/>
+            </a:pPr>
+            <a:r>
+              <a:rPr lang="es"/>
+              <a:t>		this.ss=factoria.openSession();</a:t>
+            </a:r>
+          </a:p>
+          <a:p>
             <a:pPr lvl="0">
               <a:spcBef>
                 <a:spcPts val="0"/>
@@ -2422,7 +2738,7 @@
   <p:cSld>
     <p:spTree>
       <p:nvGrpSpPr>
-        <p:cNvPr id="1" name="Shape 93"/>
+        <p:cNvPr id="1" name="Shape 92"/>
         <p:cNvGrpSpPr/>
         <p:nvPr/>
       </p:nvGrpSpPr>
@@ -2436,7 +2752,7 @@
       </p:grpSpPr>
       <p:sp>
         <p:nvSpPr>
-          <p:cNvPr id="94" name="Shape 94"/>
+          <p:cNvPr id="93" name="Shape 93"/>
           <p:cNvSpPr>
             <a:spLocks noGrp="1" noRot="1" noChangeAspect="1"/>
           </p:cNvSpPr>
@@ -2477,7 +2793,7 @@
       </p:sp>
       <p:sp>
         <p:nvSpPr>
-          <p:cNvPr id="95" name="Shape 95"/>
+          <p:cNvPr id="94" name="Shape 94"/>
           <p:cNvSpPr txBox="1">
             <a:spLocks noGrp="1"/>
           </p:cNvSpPr>
@@ -5024,7 +5340,7 @@
   <p:cSld>
     <p:spTree>
       <p:nvGrpSpPr>
-        <p:cNvPr id="1" name="Shape 105"/>
+        <p:cNvPr id="1" name="Shape 102"/>
         <p:cNvGrpSpPr/>
         <p:nvPr/>
       </p:nvGrpSpPr>
@@ -5038,7 +5354,67 @@
       </p:grpSpPr>
       <p:sp>
         <p:nvSpPr>
-          <p:cNvPr id="106" name="Shape 106"/>
+          <p:cNvPr id="103" name="Shape 103"/>
+          <p:cNvSpPr txBox="1"/>
+          <p:nvPr/>
+        </p:nvSpPr>
+        <p:spPr>
+          <a:xfrm>
+            <a:off x="414375" y="2430325"/>
+            <a:ext cx="8272200" cy="857400"/>
+          </a:xfrm>
+          <a:prstGeom prst="rect">
+            <a:avLst/>
+          </a:prstGeom>
+          <a:noFill/>
+          <a:ln w="9525" cap="flat" cmpd="sng">
+            <a:solidFill>
+              <a:srgbClr val="980000"/>
+            </a:solidFill>
+            <a:prstDash val="solid"/>
+            <a:round/>
+            <a:headEnd type="none" w="med" len="med"/>
+            <a:tailEnd type="none" w="med" len="med"/>
+          </a:ln>
+        </p:spPr>
+        <p:txBody>
+          <a:bodyPr lIns="91425" tIns="91425" rIns="91425" bIns="91425" anchor="ctr" anchorCtr="0">
+            <a:noAutofit/>
+          </a:bodyPr>
+          <a:lstStyle/>
+          <a:p>
+            <a:pPr lvl="0" rtl="0">
+              <a:spcBef>
+                <a:spcPts val="0"/>
+              </a:spcBef>
+              <a:buNone/>
+            </a:pPr>
+            <a:r>
+              <a:rPr lang="es" sz="3600" b="1"/>
+              <a:t>Pojo </a:t>
+            </a:r>
+            <a:r>
+              <a:rPr lang="es" sz="3600"/>
+              <a:t>p = session.</a:t>
+            </a:r>
+            <a:r>
+              <a:rPr lang="es" sz="3600" i="1">
+                <a:solidFill>
+                  <a:srgbClr val="0000FF"/>
+                </a:solidFill>
+              </a:rPr>
+              <a:t>load</a:t>
+            </a:r>
+            <a:r>
+              <a:rPr lang="es" sz="3600"/>
+              <a:t>(Pojo.class, 1L);</a:t>
+            </a:r>
+          </a:p>
+        </p:txBody>
+      </p:sp>
+      <p:sp>
+        <p:nvSpPr>
+          <p:cNvPr id="104" name="Shape 104"/>
           <p:cNvSpPr txBox="1">
             <a:spLocks noGrp="1"/>
           </p:cNvSpPr>
@@ -5069,29 +5445,100 @@
             </a:pPr>
             <a:r>
               <a:rPr lang="es" sz="3400"/>
-              <a:t>Recuperar una lista de POJO’s</a:t>
+              <a:t>Recuperar un POJO conociendo su id</a:t>
             </a:r>
           </a:p>
         </p:txBody>
       </p:sp>
       <p:sp>
         <p:nvSpPr>
+          <p:cNvPr id="105" name="Shape 105"/>
+          <p:cNvSpPr/>
+          <p:nvPr/>
+        </p:nvSpPr>
+        <p:spPr>
+          <a:xfrm>
+            <a:off x="7461250" y="2649905"/>
+            <a:ext cx="479399" cy="457800"/>
+          </a:xfrm>
+          <a:prstGeom prst="roundRect">
+            <a:avLst>
+              <a:gd name="adj" fmla="val 16667"/>
+            </a:avLst>
+          </a:prstGeom>
+          <a:noFill/>
+          <a:ln w="19050" cap="flat" cmpd="sng">
+            <a:solidFill>
+              <a:schemeClr val="dk2"/>
+            </a:solidFill>
+            <a:prstDash val="solid"/>
+            <a:round/>
+            <a:headEnd type="none" w="med" len="med"/>
+            <a:tailEnd type="none" w="med" len="med"/>
+          </a:ln>
+        </p:spPr>
+        <p:txBody>
+          <a:bodyPr lIns="91425" tIns="91425" rIns="91425" bIns="91425" anchor="ctr" anchorCtr="0">
+            <a:noAutofit/>
+          </a:bodyPr>
+          <a:lstStyle/>
+          <a:p>
+            <a:pPr lvl="0">
+              <a:spcBef>
+                <a:spcPts val="0"/>
+              </a:spcBef>
+              <a:buNone/>
+            </a:pPr>
+            <a:endParaRPr/>
+          </a:p>
+        </p:txBody>
+      </p:sp>
+      <p:cxnSp>
+        <p:nvCxnSpPr>
+          <p:cNvPr id="106" name="Shape 106"/>
+          <p:cNvCxnSpPr>
+            <a:endCxn id="105" idx="2"/>
+          </p:cNvCxnSpPr>
+          <p:nvPr/>
+        </p:nvCxnSpPr>
+        <p:spPr>
+          <a:xfrm rot="10800000" flipH="1">
+            <a:off x="6218950" y="3107705"/>
+            <a:ext cx="1482000" cy="1133100"/>
+          </a:xfrm>
+          <a:prstGeom prst="straightConnector1">
+            <a:avLst/>
+          </a:prstGeom>
+          <a:noFill/>
+          <a:ln w="19050" cap="flat" cmpd="sng">
+            <a:solidFill>
+              <a:schemeClr val="dk2"/>
+            </a:solidFill>
+            <a:prstDash val="solid"/>
+            <a:round/>
+            <a:headEnd type="none" w="lg" len="lg"/>
+            <a:tailEnd type="triangle" w="lg" len="lg"/>
+          </a:ln>
+        </p:spPr>
+      </p:cxnSp>
+      <p:sp>
+        <p:nvSpPr>
           <p:cNvPr id="107" name="Shape 107"/>
-          <p:cNvSpPr txBox="1">
-            <a:spLocks noGrp="1"/>
-          </p:cNvSpPr>
-          <p:nvPr>
-            <p:ph type="body" idx="1"/>
-          </p:nvPr>
-        </p:nvSpPr>
-        <p:spPr>
-          <a:xfrm>
-            <a:off x="457200" y="1200150"/>
-            <a:ext cx="8229600" cy="935699"/>
+          <p:cNvSpPr txBox="1"/>
+          <p:nvPr/>
+        </p:nvSpPr>
+        <p:spPr>
+          <a:xfrm>
+            <a:off x="5020275" y="4186405"/>
+            <a:ext cx="3192899" cy="544800"/>
           </a:xfrm>
           <a:prstGeom prst="rect">
             <a:avLst/>
           </a:prstGeom>
+          <a:noFill/>
+          <a:ln>
+            <a:noFill/>
+          </a:ln>
         </p:spPr>
         <p:txBody>
           <a:bodyPr lIns="91425" tIns="91425" rIns="91425" bIns="91425" anchor="t" anchorCtr="0">
@@ -5099,47 +5546,19 @@
           </a:bodyPr>
           <a:lstStyle/>
           <a:p>
-            <a:pPr marL="457200" lvl="0" indent="-342900" rtl="0">
-              <a:spcBef>
-                <a:spcPts val="0"/>
-              </a:spcBef>
-              <a:buSzPct val="100000"/>
-            </a:pPr>
-            <a:r>
-              <a:rPr lang="es" sz="1800"/>
-              <a:t>Utilizaremos un lenguaje de consultas propio de Hibernate, llamado HQL (hibernate query language)</a:t>
+            <a:pPr lvl="0">
+              <a:spcBef>
+                <a:spcPts val="0"/>
+              </a:spcBef>
+              <a:buNone/>
+            </a:pPr>
+            <a:r>
+              <a:rPr lang="es"/>
+              <a:t>Introducir aquí el id conocido. Cualificarlo con “L” para que sea long</a:t>
             </a:r>
           </a:p>
         </p:txBody>
       </p:sp>
-      <p:pic>
-        <p:nvPicPr>
-          <p:cNvPr id="108" name="Shape 108"/>
-          <p:cNvPicPr preferRelativeResize="0"/>
-          <p:nvPr/>
-        </p:nvPicPr>
-        <p:blipFill>
-          <a:blip r:embed="rId3">
-            <a:alphaModFix/>
-          </a:blip>
-          <a:stretch>
-            <a:fillRect/>
-          </a:stretch>
-        </p:blipFill>
-        <p:spPr>
-          <a:xfrm>
-            <a:off x="708500" y="2266225"/>
-            <a:ext cx="7882299" cy="1210000"/>
-          </a:xfrm>
-          <a:prstGeom prst="rect">
-            <a:avLst/>
-          </a:prstGeom>
-          <a:noFill/>
-          <a:ln>
-            <a:noFill/>
-          </a:ln>
-        </p:spPr>
-      </p:pic>
     </p:spTree>
   </p:cSld>
   <p:clrMapOvr>
@@ -5156,7 +5575,7 @@
   <p:cSld>
     <p:spTree>
       <p:nvGrpSpPr>
-        <p:cNvPr id="1" name="Shape 112"/>
+        <p:cNvPr id="1" name="Shape 111"/>
         <p:cNvGrpSpPr/>
         <p:nvPr/>
       </p:nvGrpSpPr>
@@ -5170,7 +5589,7 @@
       </p:grpSpPr>
       <p:sp>
         <p:nvSpPr>
-          <p:cNvPr id="113" name="Shape 113"/>
+          <p:cNvPr id="112" name="Shape 112"/>
           <p:cNvSpPr txBox="1">
             <a:spLocks noGrp="1"/>
           </p:cNvSpPr>
@@ -5200,40 +5619,227 @@
               <a:buNone/>
             </a:pPr>
             <a:r>
-              <a:rPr lang="es"/>
-              <a:t>Actualizar un POJO (merge ó save)</a:t>
+              <a:rPr lang="es" sz="3400"/>
+              <a:t>Recuperar una lista de POJO’s</a:t>
             </a:r>
           </a:p>
         </p:txBody>
       </p:sp>
-      <p:pic>
-        <p:nvPicPr>
+      <p:sp>
+        <p:nvSpPr>
+          <p:cNvPr id="113" name="Shape 113"/>
+          <p:cNvSpPr txBox="1">
+            <a:spLocks noGrp="1"/>
+          </p:cNvSpPr>
+          <p:nvPr>
+            <p:ph type="body" idx="1"/>
+          </p:nvPr>
+        </p:nvSpPr>
+        <p:spPr>
+          <a:xfrm>
+            <a:off x="457200" y="3297425"/>
+            <a:ext cx="8229600" cy="1657500"/>
+          </a:xfrm>
+          <a:prstGeom prst="rect">
+            <a:avLst/>
+          </a:prstGeom>
+        </p:spPr>
+        <p:txBody>
+          <a:bodyPr lIns="91425" tIns="91425" rIns="91425" bIns="91425" anchor="t" anchorCtr="0">
+            <a:noAutofit/>
+          </a:bodyPr>
+          <a:lstStyle/>
+          <a:p>
+            <a:pPr marL="457200" lvl="0" indent="-342900" rtl="0">
+              <a:spcBef>
+                <a:spcPts val="0"/>
+              </a:spcBef>
+              <a:buSzPct val="100000"/>
+            </a:pPr>
+            <a:r>
+              <a:rPr lang="es" sz="1800"/>
+              <a:t>Utilizaremos un lenguaje de consultas propio de Hibernate, llamado </a:t>
+            </a:r>
+            <a:r>
+              <a:rPr lang="es" sz="1800" b="1" u="sng">
+                <a:solidFill>
+                  <a:schemeClr val="hlink"/>
+                </a:solidFill>
+                <a:hlinkClick r:id="rId3"/>
+              </a:rPr>
+              <a:t>HQL </a:t>
+            </a:r>
+            <a:r>
+              <a:rPr lang="es" sz="1800"/>
+              <a:t>(hibernate query language)</a:t>
+            </a:r>
+          </a:p>
+          <a:p>
+            <a:pPr marL="457200" lvl="0" indent="-342900" rtl="0">
+              <a:spcBef>
+                <a:spcPts val="0"/>
+              </a:spcBef>
+              <a:buSzPct val="100000"/>
+            </a:pPr>
+            <a:r>
+              <a:rPr lang="es" sz="1800"/>
+              <a:t>En su forma más sencilla, la consulta HQL “</a:t>
+            </a:r>
+            <a:r>
+              <a:rPr lang="es" sz="1800" i="1">
+                <a:solidFill>
+                  <a:srgbClr val="980000"/>
+                </a:solidFill>
+              </a:rPr>
+              <a:t>from &lt;Clase&gt;</a:t>
+            </a:r>
+            <a:r>
+              <a:rPr lang="es" sz="1800"/>
+              <a:t>” me devuelve una lista de todos los objetos almacenados en la BD de una determinada clase.</a:t>
+            </a:r>
+          </a:p>
+        </p:txBody>
+      </p:sp>
+      <p:sp>
+        <p:nvSpPr>
           <p:cNvPr id="114" name="Shape 114"/>
-          <p:cNvPicPr preferRelativeResize="0"/>
+          <p:cNvSpPr txBox="1"/>
           <p:nvPr/>
-        </p:nvPicPr>
-        <p:blipFill>
-          <a:blip r:embed="rId3">
-            <a:alphaModFix/>
-          </a:blip>
-          <a:stretch>
-            <a:fillRect/>
-          </a:stretch>
-        </p:blipFill>
-        <p:spPr>
-          <a:xfrm>
-            <a:off x="457200" y="1340175"/>
-            <a:ext cx="8151625" cy="2275450"/>
+        </p:nvSpPr>
+        <p:spPr>
+          <a:xfrm>
+            <a:off x="450406" y="1287325"/>
+            <a:ext cx="8272200" cy="1714199"/>
           </a:xfrm>
           <a:prstGeom prst="rect">
             <a:avLst/>
           </a:prstGeom>
           <a:noFill/>
-          <a:ln>
-            <a:noFill/>
+          <a:ln w="9525" cap="flat" cmpd="sng">
+            <a:solidFill>
+              <a:srgbClr val="980000"/>
+            </a:solidFill>
+            <a:prstDash val="solid"/>
+            <a:round/>
+            <a:headEnd type="none" w="med" len="med"/>
+            <a:tailEnd type="none" w="med" len="med"/>
           </a:ln>
         </p:spPr>
-      </p:pic>
+        <p:txBody>
+          <a:bodyPr lIns="91425" tIns="91425" rIns="91425" bIns="91425" anchor="ctr" anchorCtr="0">
+            <a:noAutofit/>
+          </a:bodyPr>
+          <a:lstStyle/>
+          <a:p>
+            <a:pPr lvl="0" rtl="0">
+              <a:spcBef>
+                <a:spcPts val="0"/>
+              </a:spcBef>
+              <a:buNone/>
+            </a:pPr>
+            <a:r>
+              <a:rPr lang="es" sz="2400" b="1" dirty="0"/>
+              <a:t>List&lt;Pojo&gt; </a:t>
+            </a:r>
+            <a:r>
+              <a:rPr lang="es" sz="2400" dirty="0"/>
+              <a:t>pojos = session.</a:t>
+            </a:r>
+            <a:r>
+              <a:rPr lang="es" sz="2400" i="1" dirty="0">
+                <a:solidFill>
+                  <a:srgbClr val="0000FF"/>
+                </a:solidFill>
+              </a:rPr>
+              <a:t>createQuery</a:t>
+            </a:r>
+            <a:r>
+              <a:rPr lang="es" sz="2400" dirty="0"/>
+              <a:t>(“</a:t>
+            </a:r>
+            <a:r>
+              <a:rPr lang="es" sz="2400" dirty="0">
+                <a:solidFill>
+                  <a:srgbClr val="980000"/>
+                </a:solidFill>
+              </a:rPr>
+              <a:t>from Pojo</a:t>
+            </a:r>
+            <a:r>
+              <a:rPr lang="es" sz="2400" dirty="0"/>
+              <a:t>”).</a:t>
+            </a:r>
+            <a:r>
+              <a:rPr lang="es" sz="2400" i="1" dirty="0">
+                <a:solidFill>
+                  <a:srgbClr val="0000FF"/>
+                </a:solidFill>
+              </a:rPr>
+              <a:t>list</a:t>
+            </a:r>
+            <a:r>
+              <a:rPr lang="es" sz="2400" dirty="0"/>
+              <a:t>();</a:t>
+            </a:r>
+          </a:p>
+          <a:p>
+            <a:pPr lvl="0" rtl="0">
+              <a:spcBef>
+                <a:spcPts val="0"/>
+              </a:spcBef>
+              <a:buNone/>
+            </a:pPr>
+            <a:r>
+              <a:rPr lang="es" sz="2400" dirty="0"/>
+              <a:t>for ( </a:t>
+            </a:r>
+            <a:r>
+              <a:rPr lang="es" sz="2400" b="1" dirty="0"/>
+              <a:t>Pojo </a:t>
+            </a:r>
+            <a:r>
+              <a:rPr lang="es" sz="2400" dirty="0"/>
+              <a:t>pojo : pojos ) {</a:t>
+            </a:r>
+          </a:p>
+          <a:p>
+            <a:pPr lvl="0" rtl="0">
+              <a:spcBef>
+                <a:spcPts val="0"/>
+              </a:spcBef>
+              <a:buNone/>
+            </a:pPr>
+            <a:r>
+              <a:rPr lang="es" sz="2400" dirty="0"/>
+              <a:t>	pojo.</a:t>
+            </a:r>
+            <a:r>
+              <a:rPr lang="es" sz="2400" i="1" dirty="0">
+                <a:solidFill>
+                  <a:srgbClr val="0000FF"/>
+                </a:solidFill>
+              </a:rPr>
+              <a:t>metodoDelPojo</a:t>
+            </a:r>
+            <a:r>
+              <a:rPr lang="es" sz="2400" dirty="0"/>
+              <a:t>();</a:t>
+            </a:r>
+          </a:p>
+          <a:p>
+            <a:pPr lvl="0" rtl="0">
+              <a:spcBef>
+                <a:spcPts val="0"/>
+              </a:spcBef>
+              <a:buNone/>
+            </a:pPr>
+            <a:r>
+              <a:rPr lang="es" sz="2400" dirty="0"/>
+              <a:t>}</a:t>
+            </a:r>
+          </a:p>
+        </p:txBody>
+      </p:sp>
       <p:sp>
         <p:nvSpPr>
           <p:cNvPr id="115" name="Shape 115"/>
@@ -5242,8 +5848,8 @@
         </p:nvSpPr>
         <p:spPr>
           <a:xfrm>
-            <a:off x="7573500" y="1831225"/>
-            <a:ext cx="479399" cy="457800"/>
+            <a:off x="2724150" y="1857375"/>
+            <a:ext cx="747600" cy="276300"/>
           </a:xfrm>
           <a:prstGeom prst="roundRect">
             <a:avLst>
@@ -5253,7 +5859,7 @@
           <a:noFill/>
           <a:ln w="19050" cap="flat" cmpd="sng">
             <a:solidFill>
-              <a:schemeClr val="dk2"/>
+              <a:srgbClr val="00FF00"/>
             </a:solidFill>
             <a:prstDash val="solid"/>
             <a:round/>
@@ -5277,159 +5883,132 @@
           </a:p>
         </p:txBody>
       </p:sp>
-      <p:cxnSp>
-        <p:nvCxnSpPr>
+      <p:sp>
+        <p:nvSpPr>
           <p:cNvPr id="116" name="Shape 116"/>
-          <p:cNvCxnSpPr>
-            <a:endCxn id="115" idx="2"/>
-          </p:cNvCxnSpPr>
+          <p:cNvSpPr/>
           <p:nvPr/>
-        </p:nvCxnSpPr>
-        <p:spPr>
-          <a:xfrm rot="10800000" flipH="1">
-            <a:off x="7366499" y="2289025"/>
-            <a:ext cx="446700" cy="936600"/>
-          </a:xfrm>
-          <a:prstGeom prst="straightConnector1">
-            <a:avLst/>
+        </p:nvSpPr>
+        <p:spPr>
+          <a:xfrm>
+            <a:off x="1885950" y="1852612"/>
+            <a:ext cx="628499" cy="276300"/>
+          </a:xfrm>
+          <a:prstGeom prst="roundRect">
+            <a:avLst>
+              <a:gd name="adj" fmla="val 16667"/>
+            </a:avLst>
           </a:prstGeom>
           <a:noFill/>
           <a:ln w="19050" cap="flat" cmpd="sng">
             <a:solidFill>
-              <a:schemeClr val="dk2"/>
+              <a:srgbClr val="FF00FF"/>
             </a:solidFill>
             <a:prstDash val="solid"/>
             <a:round/>
-            <a:headEnd type="none" w="lg" len="lg"/>
-            <a:tailEnd type="triangle" w="lg" len="lg"/>
+            <a:headEnd type="none" w="med" len="med"/>
+            <a:tailEnd type="none" w="med" len="med"/>
           </a:ln>
         </p:spPr>
-      </p:cxnSp>
-      <p:sp>
-        <p:nvSpPr>
-          <p:cNvPr id="117" name="Shape 117"/>
-          <p:cNvSpPr txBox="1"/>
-          <p:nvPr/>
-        </p:nvSpPr>
-        <p:spPr>
-          <a:xfrm>
-            <a:off x="6046925" y="3139125"/>
-            <a:ext cx="2714099" cy="544800"/>
-          </a:xfrm>
-          <a:prstGeom prst="rect">
-            <a:avLst/>
-          </a:prstGeom>
-          <a:noFill/>
-          <a:ln>
-            <a:noFill/>
-          </a:ln>
-        </p:spPr>
         <p:txBody>
-          <a:bodyPr lIns="91425" tIns="91425" rIns="91425" bIns="91425" anchor="t" anchorCtr="0">
+          <a:bodyPr lIns="91425" tIns="91425" rIns="91425" bIns="91425" anchor="ctr" anchorCtr="0">
             <a:noAutofit/>
           </a:bodyPr>
           <a:lstStyle/>
           <a:p>
-            <a:pPr lvl="0" rtl="0">
-              <a:spcBef>
-                <a:spcPts val="0"/>
-              </a:spcBef>
-              <a:buNone/>
-            </a:pPr>
-            <a:r>
-              <a:rPr lang="es"/>
-              <a:t>Introducir aquí el id del POJO a actualizar</a:t>
-            </a:r>
+            <a:pPr lvl="0">
+              <a:spcBef>
+                <a:spcPts val="0"/>
+              </a:spcBef>
+              <a:buNone/>
+            </a:pPr>
+            <a:endParaRPr/>
           </a:p>
         </p:txBody>
       </p:sp>
-      <p:cxnSp>
-        <p:nvCxnSpPr>
-          <p:cNvPr id="118" name="Shape 118"/>
-          <p:cNvCxnSpPr/>
+      <p:sp>
+        <p:nvSpPr>
+          <p:cNvPr id="117" name="Shape 117"/>
+          <p:cNvSpPr/>
           <p:nvPr/>
-        </p:nvCxnSpPr>
-        <p:spPr>
-          <a:xfrm>
-            <a:off x="664725" y="2691625"/>
-            <a:ext cx="5415899" cy="0"/>
-          </a:xfrm>
-          <a:prstGeom prst="straightConnector1">
-            <a:avLst/>
+        </p:nvSpPr>
+        <p:spPr>
+          <a:xfrm>
+            <a:off x="2157412" y="1490662"/>
+            <a:ext cx="747600" cy="276300"/>
+          </a:xfrm>
+          <a:prstGeom prst="roundRect">
+            <a:avLst>
+              <a:gd name="adj" fmla="val 16667"/>
+            </a:avLst>
           </a:prstGeom>
           <a:noFill/>
           <a:ln w="19050" cap="flat" cmpd="sng">
             <a:solidFill>
-              <a:schemeClr val="dk2"/>
+              <a:srgbClr val="00FF00"/>
             </a:solidFill>
             <a:prstDash val="solid"/>
             <a:round/>
-            <a:headEnd type="none" w="lg" len="lg"/>
-            <a:tailEnd type="none" w="lg" len="lg"/>
+            <a:headEnd type="none" w="med" len="med"/>
+            <a:tailEnd type="none" w="med" len="med"/>
           </a:ln>
         </p:spPr>
-      </p:cxnSp>
-      <p:cxnSp>
-        <p:nvCxnSpPr>
-          <p:cNvPr id="119" name="Shape 119"/>
-          <p:cNvCxnSpPr/>
+        <p:txBody>
+          <a:bodyPr lIns="91425" tIns="91425" rIns="91425" bIns="91425" anchor="ctr" anchorCtr="0">
+            <a:noAutofit/>
+          </a:bodyPr>
+          <a:lstStyle/>
+          <a:p>
+            <a:pPr lvl="0">
+              <a:spcBef>
+                <a:spcPts val="0"/>
+              </a:spcBef>
+              <a:buNone/>
+            </a:pPr>
+            <a:endParaRPr/>
+          </a:p>
+        </p:txBody>
+      </p:sp>
+      <p:sp>
+        <p:nvSpPr>
+          <p:cNvPr id="118" name="Shape 118"/>
+          <p:cNvSpPr/>
           <p:nvPr/>
-        </p:nvCxnSpPr>
-        <p:spPr>
-          <a:xfrm rot="10800000">
-            <a:off x="4217100" y="2680724"/>
-            <a:ext cx="490499" cy="1580100"/>
-          </a:xfrm>
-          <a:prstGeom prst="straightConnector1">
-            <a:avLst/>
+        </p:nvSpPr>
+        <p:spPr>
+          <a:xfrm>
+            <a:off x="1403648" y="2219325"/>
+            <a:ext cx="628499" cy="276300"/>
+          </a:xfrm>
+          <a:prstGeom prst="roundRect">
+            <a:avLst>
+              <a:gd name="adj" fmla="val 16667"/>
+            </a:avLst>
           </a:prstGeom>
           <a:noFill/>
           <a:ln w="19050" cap="flat" cmpd="sng">
             <a:solidFill>
-              <a:schemeClr val="dk2"/>
+              <a:srgbClr val="FF00FF"/>
             </a:solidFill>
             <a:prstDash val="solid"/>
             <a:round/>
-            <a:headEnd type="none" w="lg" len="lg"/>
-            <a:tailEnd type="triangle" w="lg" len="lg"/>
+            <a:headEnd type="none" w="med" len="med"/>
+            <a:tailEnd type="none" w="med" len="med"/>
           </a:ln>
         </p:spPr>
-      </p:cxnSp>
-      <p:sp>
-        <p:nvSpPr>
-          <p:cNvPr id="120" name="Shape 120"/>
-          <p:cNvSpPr txBox="1"/>
-          <p:nvPr/>
-        </p:nvSpPr>
-        <p:spPr>
-          <a:xfrm>
-            <a:off x="3760925" y="4205925"/>
-            <a:ext cx="3409500" cy="544800"/>
-          </a:xfrm>
-          <a:prstGeom prst="rect">
-            <a:avLst/>
-          </a:prstGeom>
-          <a:noFill/>
-          <a:ln>
-            <a:noFill/>
-          </a:ln>
-        </p:spPr>
         <p:txBody>
-          <a:bodyPr lIns="91425" tIns="91425" rIns="91425" bIns="91425" anchor="t" anchorCtr="0">
+          <a:bodyPr lIns="91425" tIns="91425" rIns="91425" bIns="91425" anchor="ctr" anchorCtr="0">
             <a:noAutofit/>
           </a:bodyPr>
           <a:lstStyle/>
           <a:p>
-            <a:pPr lvl="0" rtl="0">
-              <a:spcBef>
-                <a:spcPts val="0"/>
-              </a:spcBef>
-              <a:buNone/>
-            </a:pPr>
-            <a:r>
-              <a:rPr lang="es"/>
-              <a:t>Aquí haremos los cambios que consideremos oportunos en el POJO</a:t>
-            </a:r>
+            <a:pPr lvl="0">
+              <a:spcBef>
+                <a:spcPts val="0"/>
+              </a:spcBef>
+              <a:buNone/>
+            </a:pPr>
+            <a:endParaRPr/>
           </a:p>
         </p:txBody>
       </p:sp>
@@ -5449,7 +6028,7 @@
   <p:cSld>
     <p:spTree>
       <p:nvGrpSpPr>
-        <p:cNvPr id="1" name="Shape 124"/>
+        <p:cNvPr id="1" name="Shape 122"/>
         <p:cNvGrpSpPr/>
         <p:nvPr/>
       </p:nvGrpSpPr>
@@ -5463,7 +6042,7 @@
       </p:grpSpPr>
       <p:sp>
         <p:nvSpPr>
-          <p:cNvPr id="125" name="Shape 125"/>
+          <p:cNvPr id="123" name="Shape 123"/>
           <p:cNvSpPr txBox="1">
             <a:spLocks noGrp="1"/>
           </p:cNvSpPr>
@@ -5486,67 +6065,37 @@
           </a:bodyPr>
           <a:lstStyle/>
           <a:p>
-            <a:pPr lvl="0">
-              <a:spcBef>
-                <a:spcPts val="0"/>
-              </a:spcBef>
-              <a:buNone/>
-            </a:pPr>
-            <a:r>
-              <a:rPr lang="es"/>
-              <a:t>Borrar un POJO (delete)</a:t>
+            <a:pPr lvl="0" rtl="0">
+              <a:spcBef>
+                <a:spcPts val="0"/>
+              </a:spcBef>
+              <a:buNone/>
+            </a:pPr>
+            <a:r>
+              <a:rPr lang="es" sz="3400"/>
+              <a:t>Recuperar una lista de resultados</a:t>
             </a:r>
           </a:p>
         </p:txBody>
       </p:sp>
-      <p:pic>
-        <p:nvPicPr>
-          <p:cNvPr id="126" name="Shape 126"/>
-          <p:cNvPicPr preferRelativeResize="0"/>
+      <p:sp>
+        <p:nvSpPr>
+          <p:cNvPr id="124" name="Shape 124"/>
+          <p:cNvSpPr txBox="1"/>
           <p:nvPr/>
-        </p:nvPicPr>
-        <p:blipFill>
-          <a:blip r:embed="rId3">
-            <a:alphaModFix/>
-          </a:blip>
-          <a:stretch>
-            <a:fillRect/>
-          </a:stretch>
-        </p:blipFill>
-        <p:spPr>
-          <a:xfrm>
-            <a:off x="555600" y="1427375"/>
-            <a:ext cx="8131199" cy="1825868"/>
+        </p:nvSpPr>
+        <p:spPr>
+          <a:xfrm>
+            <a:off x="517600" y="1275525"/>
+            <a:ext cx="8102399" cy="2395800"/>
           </a:xfrm>
           <a:prstGeom prst="rect">
             <a:avLst/>
           </a:prstGeom>
           <a:noFill/>
-          <a:ln>
-            <a:noFill/>
-          </a:ln>
-        </p:spPr>
-      </p:pic>
-      <p:sp>
-        <p:nvSpPr>
-          <p:cNvPr id="127" name="Shape 127"/>
-          <p:cNvSpPr/>
-          <p:nvPr/>
-        </p:nvSpPr>
-        <p:spPr>
-          <a:xfrm>
-            <a:off x="7497300" y="1907425"/>
-            <a:ext cx="479399" cy="457800"/>
-          </a:xfrm>
-          <a:prstGeom prst="roundRect">
-            <a:avLst>
-              <a:gd name="adj" fmla="val 16667"/>
-            </a:avLst>
-          </a:prstGeom>
-          <a:noFill/>
-          <a:ln w="19050" cap="flat" cmpd="sng">
+          <a:ln w="9525" cap="flat" cmpd="sng">
             <a:solidFill>
-              <a:schemeClr val="dk2"/>
+              <a:srgbClr val="980000"/>
             </a:solidFill>
             <a:prstDash val="solid"/>
             <a:round/>
@@ -5555,67 +6104,200 @@
           </a:ln>
         </p:spPr>
         <p:txBody>
-          <a:bodyPr lIns="91425" tIns="91425" rIns="91425" bIns="91425" anchor="ctr" anchorCtr="0">
+          <a:bodyPr lIns="91425" tIns="91425" rIns="91425" bIns="91425" anchor="t" anchorCtr="0">
             <a:noAutofit/>
           </a:bodyPr>
           <a:lstStyle/>
           <a:p>
-            <a:pPr lvl="0">
-              <a:spcBef>
-                <a:spcPts val="0"/>
-              </a:spcBef>
-              <a:buNone/>
-            </a:pPr>
-            <a:endParaRPr/>
+            <a:pPr lvl="0" rtl="0">
+              <a:spcBef>
+                <a:spcPts val="0"/>
+              </a:spcBef>
+              <a:buNone/>
+            </a:pPr>
+            <a:r>
+              <a:rPr lang="es" sz="1800" b="1"/>
+              <a:t>List&lt;Object[]&gt; </a:t>
+            </a:r>
+            <a:r>
+              <a:rPr lang="es" sz="1800"/>
+              <a:t>filas = session.</a:t>
+            </a:r>
+            <a:r>
+              <a:rPr lang="es" sz="1800" i="1">
+                <a:solidFill>
+                  <a:srgbClr val="0000FF"/>
+                </a:solidFill>
+              </a:rPr>
+              <a:t>createQuery</a:t>
+            </a:r>
+            <a:r>
+              <a:rPr lang="es" sz="1800"/>
+              <a:t>(“</a:t>
+            </a:r>
+            <a:r>
+              <a:rPr lang="es" sz="1800">
+                <a:solidFill>
+                  <a:srgbClr val="980000"/>
+                </a:solidFill>
+              </a:rPr>
+              <a:t>consulta HQL</a:t>
+            </a:r>
+            <a:r>
+              <a:rPr lang="es" sz="1800"/>
+              <a:t>”).</a:t>
+            </a:r>
+            <a:r>
+              <a:rPr lang="es" sz="1800" i="1">
+                <a:solidFill>
+                  <a:srgbClr val="0000FF"/>
+                </a:solidFill>
+              </a:rPr>
+              <a:t>list</a:t>
+            </a:r>
+            <a:r>
+              <a:rPr lang="es" sz="1800"/>
+              <a:t>();</a:t>
+            </a:r>
+          </a:p>
+          <a:p>
+            <a:pPr lvl="0" rtl="0">
+              <a:spcBef>
+                <a:spcPts val="0"/>
+              </a:spcBef>
+              <a:buNone/>
+            </a:pPr>
+            <a:r>
+              <a:rPr lang="es" sz="1800"/>
+              <a:t>for ( </a:t>
+            </a:r>
+            <a:r>
+              <a:rPr lang="es" sz="1800" b="1"/>
+              <a:t>Object[]</a:t>
+            </a:r>
+            <a:r>
+              <a:rPr lang="es" sz="1800"/>
+              <a:t> fila : filas)</a:t>
+            </a:r>
+            <a:br>
+              <a:rPr lang="es" sz="1800"/>
+            </a:br>
+            <a:r>
+              <a:rPr lang="es" sz="1800"/>
+              <a:t>        {</a:t>
+            </a:r>
+          </a:p>
+          <a:p>
+            <a:pPr marL="457200" lvl="0" indent="457200" rtl="0">
+              <a:spcBef>
+                <a:spcPts val="0"/>
+              </a:spcBef>
+              <a:buNone/>
+            </a:pPr>
+            <a:r>
+              <a:rPr lang="es" sz="1800"/>
+              <a:t>for (</a:t>
+            </a:r>
+            <a:r>
+              <a:rPr lang="es" sz="1800" b="1"/>
+              <a:t>Object</a:t>
+            </a:r>
+            <a:r>
+              <a:rPr lang="es" sz="1800"/>
+              <a:t> columna : fila ) { </a:t>
+            </a:r>
+            <a:br>
+              <a:rPr lang="es" sz="1800"/>
+            </a:br>
+            <a:r>
+              <a:rPr lang="es" sz="1800"/>
+              <a:t>            System.out.</a:t>
+            </a:r>
+            <a:r>
+              <a:rPr lang="es" sz="1800" i="1">
+                <a:solidFill>
+                  <a:srgbClr val="0000FF"/>
+                </a:solidFill>
+              </a:rPr>
+              <a:t>print</a:t>
+            </a:r>
+            <a:r>
+              <a:rPr lang="es" sz="1800"/>
+              <a:t>(columna + " // " );</a:t>
+            </a:r>
+            <a:br>
+              <a:rPr lang="es" sz="1800"/>
+            </a:br>
+            <a:r>
+              <a:rPr lang="es" sz="1800"/>
+              <a:t>        }</a:t>
+            </a:r>
+          </a:p>
+          <a:p>
+            <a:pPr marL="457200" lvl="0" indent="0" rtl="0">
+              <a:spcBef>
+                <a:spcPts val="0"/>
+              </a:spcBef>
+              <a:buNone/>
+            </a:pPr>
+            <a:r>
+              <a:rPr lang="es" sz="1800"/>
+              <a:t>	System.out.</a:t>
+            </a:r>
+            <a:r>
+              <a:rPr lang="es" sz="1800" i="1">
+                <a:solidFill>
+                  <a:srgbClr val="0000FF"/>
+                </a:solidFill>
+              </a:rPr>
+              <a:t>println</a:t>
+            </a:r>
+            <a:r>
+              <a:rPr lang="es" sz="1800"/>
+              <a:t>();</a:t>
+            </a:r>
+          </a:p>
+          <a:p>
+            <a:pPr marL="457200" lvl="0" indent="0" rtl="0">
+              <a:spcBef>
+                <a:spcPts val="0"/>
+              </a:spcBef>
+              <a:buNone/>
+            </a:pPr>
+            <a:r>
+              <a:rPr lang="es" sz="1800"/>
+              <a:t>}</a:t>
+            </a:r>
+          </a:p>
+          <a:p>
+            <a:pPr lvl="0" rtl="0">
+              <a:spcBef>
+                <a:spcPts val="0"/>
+              </a:spcBef>
+              <a:buNone/>
+            </a:pPr>
+            <a:endParaRPr sz="1800"/>
           </a:p>
         </p:txBody>
       </p:sp>
-      <p:cxnSp>
-        <p:nvCxnSpPr>
-          <p:cNvPr id="128" name="Shape 128"/>
-          <p:cNvCxnSpPr>
-            <a:endCxn id="127" idx="2"/>
-          </p:cNvCxnSpPr>
-          <p:nvPr/>
-        </p:nvCxnSpPr>
-        <p:spPr>
-          <a:xfrm rot="10800000" flipH="1">
-            <a:off x="6255000" y="2365225"/>
-            <a:ext cx="1482000" cy="1133100"/>
-          </a:xfrm>
-          <a:prstGeom prst="straightConnector1">
+      <p:sp>
+        <p:nvSpPr>
+          <p:cNvPr id="125" name="Shape 125"/>
+          <p:cNvSpPr txBox="1">
+            <a:spLocks noGrp="1"/>
+          </p:cNvSpPr>
+          <p:nvPr>
+            <p:ph type="body" idx="1"/>
+          </p:nvPr>
+        </p:nvSpPr>
+        <p:spPr>
+          <a:xfrm>
+            <a:off x="457200" y="3722194"/>
+            <a:ext cx="8229600" cy="1158000"/>
+          </a:xfrm>
+          <a:prstGeom prst="rect">
             <a:avLst/>
           </a:prstGeom>
-          <a:noFill/>
-          <a:ln w="19050" cap="flat" cmpd="sng">
-            <a:solidFill>
-              <a:schemeClr val="dk2"/>
-            </a:solidFill>
-            <a:prstDash val="solid"/>
-            <a:round/>
-            <a:headEnd type="none" w="lg" len="lg"/>
-            <a:tailEnd type="triangle" w="lg" len="lg"/>
-          </a:ln>
-        </p:spPr>
-      </p:cxnSp>
-      <p:sp>
-        <p:nvSpPr>
-          <p:cNvPr id="129" name="Shape 129"/>
-          <p:cNvSpPr txBox="1"/>
-          <p:nvPr/>
-        </p:nvSpPr>
-        <p:spPr>
-          <a:xfrm>
-            <a:off x="5056325" y="3443925"/>
-            <a:ext cx="3192899" cy="544800"/>
-          </a:xfrm>
-          <a:prstGeom prst="rect">
-            <a:avLst/>
-          </a:prstGeom>
-          <a:noFill/>
-          <a:ln>
-            <a:noFill/>
-          </a:ln>
         </p:spPr>
         <p:txBody>
           <a:bodyPr lIns="91425" tIns="91425" rIns="91425" bIns="91425" anchor="t" anchorCtr="0">
@@ -5623,15 +6305,27 @@
           </a:bodyPr>
           <a:lstStyle/>
           <a:p>
-            <a:pPr lvl="0" rtl="0">
-              <a:spcBef>
-                <a:spcPts val="0"/>
-              </a:spcBef>
-              <a:buNone/>
-            </a:pPr>
-            <a:r>
-              <a:rPr lang="es"/>
-              <a:t>Introducir aquí el id del POJO a borrar</a:t>
+            <a:pPr marL="457200" lvl="0" indent="-330200" rtl="0">
+              <a:spcBef>
+                <a:spcPts val="0"/>
+              </a:spcBef>
+              <a:buSzPct val="100000"/>
+            </a:pPr>
+            <a:r>
+              <a:rPr lang="es" sz="1600"/>
+              <a:t>Como HQL puede ser complejo (incluir claúsula SELECT, JOIN entre objetos), podemos recoger esa lista como una lista de array de Object, en lugar de Pojo</a:t>
+            </a:r>
+          </a:p>
+          <a:p>
+            <a:pPr marL="457200" lvl="0" indent="-330200" rtl="0">
+              <a:spcBef>
+                <a:spcPts val="0"/>
+              </a:spcBef>
+              <a:buSzPct val="100000"/>
+            </a:pPr>
+            <a:r>
+              <a:rPr lang="es" sz="1600"/>
+              <a:t>Accederemos a cada “columna” iterando sobre el array de Obejct, y apoyándonos en el método toString() para obtener una versión imprimible del dato.</a:t>
             </a:r>
           </a:p>
         </p:txBody>
@@ -5652,7 +6346,7 @@
   <p:cSld>
     <p:spTree>
       <p:nvGrpSpPr>
-        <p:cNvPr id="1" name="Shape 133"/>
+        <p:cNvPr id="1" name="Shape 129"/>
         <p:cNvGrpSpPr/>
         <p:nvPr/>
       </p:nvGrpSpPr>
@@ -5666,7 +6360,7 @@
       </p:grpSpPr>
       <p:sp>
         <p:nvSpPr>
-          <p:cNvPr id="134" name="Shape 134"/>
+          <p:cNvPr id="130" name="Shape 130"/>
           <p:cNvSpPr txBox="1">
             <a:spLocks noGrp="1"/>
           </p:cNvSpPr>
@@ -5697,29 +6391,128 @@
             </a:pPr>
             <a:r>
               <a:rPr lang="es"/>
-              <a:t>Composición de POJO’s</a:t>
+              <a:t>Actualizar un POJO (merge ó save)</a:t>
             </a:r>
           </a:p>
         </p:txBody>
       </p:sp>
-      <p:sp>
-        <p:nvSpPr>
-          <p:cNvPr id="135" name="Shape 135"/>
-          <p:cNvSpPr txBox="1">
-            <a:spLocks noGrp="1"/>
-          </p:cNvSpPr>
-          <p:nvPr>
-            <p:ph type="body" idx="1"/>
-          </p:nvPr>
-        </p:nvSpPr>
-        <p:spPr>
-          <a:xfrm>
-            <a:off x="457200" y="1200150"/>
-            <a:ext cx="8229600" cy="3725699"/>
+      <p:pic>
+        <p:nvPicPr>
+          <p:cNvPr id="131" name="Shape 131"/>
+          <p:cNvPicPr preferRelativeResize="0"/>
+          <p:nvPr/>
+        </p:nvPicPr>
+        <p:blipFill>
+          <a:blip r:embed="rId3">
+            <a:alphaModFix/>
+          </a:blip>
+          <a:stretch>
+            <a:fillRect/>
+          </a:stretch>
+        </p:blipFill>
+        <p:spPr>
+          <a:xfrm>
+            <a:off x="538339" y="1276809"/>
+            <a:ext cx="6485097" cy="1403915"/>
           </a:xfrm>
           <a:prstGeom prst="rect">
             <a:avLst/>
           </a:prstGeom>
+          <a:noFill/>
+          <a:ln>
+            <a:noFill/>
+          </a:ln>
+        </p:spPr>
+      </p:pic>
+      <p:sp>
+        <p:nvSpPr>
+          <p:cNvPr id="132" name="Shape 132"/>
+          <p:cNvSpPr/>
+          <p:nvPr/>
+        </p:nvSpPr>
+        <p:spPr>
+          <a:xfrm>
+            <a:off x="6228183" y="1563637"/>
+            <a:ext cx="304559" cy="346461"/>
+          </a:xfrm>
+          <a:prstGeom prst="roundRect">
+            <a:avLst>
+              <a:gd name="adj" fmla="val 16667"/>
+            </a:avLst>
+          </a:prstGeom>
+          <a:noFill/>
+          <a:ln w="19050" cap="flat" cmpd="sng">
+            <a:solidFill>
+              <a:schemeClr val="dk2"/>
+            </a:solidFill>
+            <a:prstDash val="solid"/>
+            <a:round/>
+            <a:headEnd type="none" w="med" len="med"/>
+            <a:tailEnd type="none" w="med" len="med"/>
+          </a:ln>
+        </p:spPr>
+        <p:txBody>
+          <a:bodyPr lIns="91425" tIns="91425" rIns="91425" bIns="91425" anchor="ctr" anchorCtr="0">
+            <a:noAutofit/>
+          </a:bodyPr>
+          <a:lstStyle/>
+          <a:p>
+            <a:pPr lvl="0">
+              <a:spcBef>
+                <a:spcPts val="0"/>
+              </a:spcBef>
+              <a:buNone/>
+            </a:pPr>
+            <a:endParaRPr/>
+          </a:p>
+        </p:txBody>
+      </p:sp>
+      <p:cxnSp>
+        <p:nvCxnSpPr>
+          <p:cNvPr id="133" name="Shape 133"/>
+          <p:cNvCxnSpPr>
+            <a:endCxn id="132" idx="2"/>
+          </p:cNvCxnSpPr>
+          <p:nvPr/>
+        </p:nvCxnSpPr>
+        <p:spPr>
+          <a:xfrm flipV="1">
+            <a:off x="5846343" y="1910098"/>
+            <a:ext cx="534120" cy="936602"/>
+          </a:xfrm>
+          <a:prstGeom prst="straightConnector1">
+            <a:avLst/>
+          </a:prstGeom>
+          <a:noFill/>
+          <a:ln w="19050" cap="flat" cmpd="sng">
+            <a:solidFill>
+              <a:schemeClr val="dk2"/>
+            </a:solidFill>
+            <a:prstDash val="solid"/>
+            <a:round/>
+            <a:headEnd type="none" w="lg" len="lg"/>
+            <a:tailEnd type="triangle" w="lg" len="lg"/>
+          </a:ln>
+        </p:spPr>
+      </p:cxnSp>
+      <p:sp>
+        <p:nvSpPr>
+          <p:cNvPr id="134" name="Shape 134"/>
+          <p:cNvSpPr txBox="1"/>
+          <p:nvPr/>
+        </p:nvSpPr>
+        <p:spPr>
+          <a:xfrm>
+            <a:off x="5056208" y="2703072"/>
+            <a:ext cx="2714099" cy="544800"/>
+          </a:xfrm>
+          <a:prstGeom prst="rect">
+            <a:avLst/>
+          </a:prstGeom>
+          <a:noFill/>
+          <a:ln>
+            <a:noFill/>
+          </a:ln>
         </p:spPr>
         <p:txBody>
           <a:bodyPr lIns="91425" tIns="91425" rIns="91425" bIns="91425" anchor="t" anchorCtr="0">
@@ -5727,75 +6520,105 @@
           </a:bodyPr>
           <a:lstStyle/>
           <a:p>
-            <a:pPr marL="457200" lvl="0" indent="-342900" rtl="0">
-              <a:spcBef>
-                <a:spcPts val="0"/>
-              </a:spcBef>
-              <a:buSzPct val="100000"/>
-            </a:pPr>
-            <a:r>
-              <a:rPr lang="es" sz="1800"/>
-              <a:t>Trabajar con un único POJO, o con POJO’s que no se relacionen con otros es relativamente sencillo, y no harían imprescindible un framework de persistencia.</a:t>
-            </a:r>
-          </a:p>
-          <a:p>
-            <a:pPr marL="457200" lvl="0" indent="-342900" rtl="0">
-              <a:spcBef>
-                <a:spcPts val="0"/>
-              </a:spcBef>
-              <a:buSzPct val="100000"/>
-            </a:pPr>
-            <a:r>
-              <a:rPr lang="es" sz="1800"/>
-              <a:t>El “problema” viene cuando un POJO se relaciona con otros, y esa relación puede ser de tres tipos.</a:t>
-            </a:r>
-          </a:p>
-          <a:p>
-            <a:pPr marL="914400" lvl="1" indent="-342900" rtl="0">
-              <a:spcBef>
-                <a:spcPts val="0"/>
-              </a:spcBef>
-              <a:buSzPct val="100000"/>
-            </a:pPr>
-            <a:r>
-              <a:rPr lang="es" sz="1800"/>
-              <a:t>Uno a uno (1:1)</a:t>
-            </a:r>
-          </a:p>
-          <a:p>
-            <a:pPr marL="914400" lvl="1" indent="-342900" rtl="0">
-              <a:spcBef>
-                <a:spcPts val="0"/>
-              </a:spcBef>
-              <a:buSzPct val="100000"/>
-            </a:pPr>
-            <a:r>
-              <a:rPr lang="es" sz="1800"/>
-              <a:t>Uno a varios ó varios a uno. (1:N ó N:1)</a:t>
-            </a:r>
-          </a:p>
-          <a:p>
-            <a:pPr marL="914400" lvl="1" indent="-342900" rtl="0">
-              <a:spcBef>
-                <a:spcPts val="0"/>
-              </a:spcBef>
-              <a:buSzPct val="100000"/>
-            </a:pPr>
-            <a:r>
-              <a:rPr lang="es" sz="1800"/>
-              <a:t>Muchos a muchos (N:M)</a:t>
-            </a:r>
-          </a:p>
-          <a:p>
-            <a:pPr marL="457200" lvl="0" indent="-342900" rtl="0">
-              <a:spcBef>
-                <a:spcPts val="0"/>
-              </a:spcBef>
-              <a:buSzPct val="100000"/>
-            </a:pPr>
-            <a:r>
-              <a:rPr lang="es" sz="1800"/>
-              <a:t>En cualquiera de estas situaciones, es muy importante que las relaciones entre los POJO’s sean “bidireccionales” y “coherentes” antes de persistirlos.</a:t>
+            <a:pPr lvl="0" rtl="0">
+              <a:spcBef>
+                <a:spcPts val="0"/>
+              </a:spcBef>
+              <a:buNone/>
+            </a:pPr>
+            <a:r>
+              <a:rPr lang="es" dirty="0"/>
+              <a:t>Introducir aquí el id del POJO a actualizar</a:t>
+            </a:r>
+          </a:p>
+        </p:txBody>
+      </p:sp>
+      <p:cxnSp>
+        <p:nvCxnSpPr>
+          <p:cNvPr id="135" name="Shape 135"/>
+          <p:cNvCxnSpPr/>
+          <p:nvPr/>
+        </p:nvCxnSpPr>
+        <p:spPr>
+          <a:xfrm>
+            <a:off x="611560" y="2139701"/>
+            <a:ext cx="4411331" cy="0"/>
+          </a:xfrm>
+          <a:prstGeom prst="straightConnector1">
+            <a:avLst/>
+          </a:prstGeom>
+          <a:noFill/>
+          <a:ln w="19050" cap="flat" cmpd="sng">
+            <a:solidFill>
+              <a:schemeClr val="dk2"/>
+            </a:solidFill>
+            <a:prstDash val="solid"/>
+            <a:round/>
+            <a:headEnd type="none" w="lg" len="lg"/>
+            <a:tailEnd type="none" w="lg" len="lg"/>
+          </a:ln>
+        </p:spPr>
+      </p:cxnSp>
+      <p:cxnSp>
+        <p:nvCxnSpPr>
+          <p:cNvPr id="136" name="Shape 136"/>
+          <p:cNvCxnSpPr/>
+          <p:nvPr/>
+        </p:nvCxnSpPr>
+        <p:spPr>
+          <a:xfrm flipH="1" flipV="1">
+            <a:off x="4217099" y="2139701"/>
+            <a:ext cx="490501" cy="2121123"/>
+          </a:xfrm>
+          <a:prstGeom prst="straightConnector1">
+            <a:avLst/>
+          </a:prstGeom>
+          <a:noFill/>
+          <a:ln w="19050" cap="flat" cmpd="sng">
+            <a:solidFill>
+              <a:schemeClr val="dk2"/>
+            </a:solidFill>
+            <a:prstDash val="solid"/>
+            <a:round/>
+            <a:headEnd type="none" w="lg" len="lg"/>
+            <a:tailEnd type="triangle" w="lg" len="lg"/>
+          </a:ln>
+        </p:spPr>
+      </p:cxnSp>
+      <p:sp>
+        <p:nvSpPr>
+          <p:cNvPr id="137" name="Shape 137"/>
+          <p:cNvSpPr txBox="1"/>
+          <p:nvPr/>
+        </p:nvSpPr>
+        <p:spPr>
+          <a:xfrm>
+            <a:off x="3760925" y="4205925"/>
+            <a:ext cx="3409500" cy="544800"/>
+          </a:xfrm>
+          <a:prstGeom prst="rect">
+            <a:avLst/>
+          </a:prstGeom>
+          <a:noFill/>
+          <a:ln>
+            <a:noFill/>
+          </a:ln>
+        </p:spPr>
+        <p:txBody>
+          <a:bodyPr lIns="91425" tIns="91425" rIns="91425" bIns="91425" anchor="t" anchorCtr="0">
+            <a:noAutofit/>
+          </a:bodyPr>
+          <a:lstStyle/>
+          <a:p>
+            <a:pPr lvl="0" rtl="0">
+              <a:spcBef>
+                <a:spcPts val="0"/>
+              </a:spcBef>
+              <a:buNone/>
+            </a:pPr>
+            <a:r>
+              <a:rPr lang="es"/>
+              <a:t>Aquí haremos los cambios que consideremos oportunos en el POJO</a:t>
             </a:r>
           </a:p>
         </p:txBody>
@@ -5816,7 +6639,7 @@
   <p:cSld>
     <p:spTree>
       <p:nvGrpSpPr>
-        <p:cNvPr id="1" name="Shape 139"/>
+        <p:cNvPr id="1" name="Shape 141"/>
         <p:cNvGrpSpPr/>
         <p:nvPr/>
       </p:nvGrpSpPr>
@@ -5830,7 +6653,7 @@
       </p:grpSpPr>
       <p:sp>
         <p:nvSpPr>
-          <p:cNvPr id="140" name="Shape 140"/>
+          <p:cNvPr id="142" name="Shape 142"/>
           <p:cNvSpPr txBox="1">
             <a:spLocks noGrp="1"/>
           </p:cNvSpPr>
@@ -5861,6 +6684,373 @@
             </a:pPr>
             <a:r>
               <a:rPr lang="es"/>
+              <a:t>Borrar un POJO (delete)</a:t>
+            </a:r>
+          </a:p>
+        </p:txBody>
+      </p:sp>
+      <p:pic>
+        <p:nvPicPr>
+          <p:cNvPr id="143" name="Shape 143"/>
+          <p:cNvPicPr preferRelativeResize="0"/>
+          <p:nvPr/>
+        </p:nvPicPr>
+        <p:blipFill>
+          <a:blip r:embed="rId3">
+            <a:alphaModFix/>
+          </a:blip>
+          <a:stretch>
+            <a:fillRect/>
+          </a:stretch>
+        </p:blipFill>
+        <p:spPr>
+          <a:xfrm>
+            <a:off x="555600" y="1427375"/>
+            <a:ext cx="8131199" cy="1825868"/>
+          </a:xfrm>
+          <a:prstGeom prst="rect">
+            <a:avLst/>
+          </a:prstGeom>
+          <a:noFill/>
+          <a:ln>
+            <a:noFill/>
+          </a:ln>
+        </p:spPr>
+      </p:pic>
+      <p:sp>
+        <p:nvSpPr>
+          <p:cNvPr id="144" name="Shape 144"/>
+          <p:cNvSpPr/>
+          <p:nvPr/>
+        </p:nvSpPr>
+        <p:spPr>
+          <a:xfrm>
+            <a:off x="7497300" y="1907425"/>
+            <a:ext cx="479399" cy="457800"/>
+          </a:xfrm>
+          <a:prstGeom prst="roundRect">
+            <a:avLst>
+              <a:gd name="adj" fmla="val 16667"/>
+            </a:avLst>
+          </a:prstGeom>
+          <a:noFill/>
+          <a:ln w="19050" cap="flat" cmpd="sng">
+            <a:solidFill>
+              <a:schemeClr val="dk2"/>
+            </a:solidFill>
+            <a:prstDash val="solid"/>
+            <a:round/>
+            <a:headEnd type="none" w="med" len="med"/>
+            <a:tailEnd type="none" w="med" len="med"/>
+          </a:ln>
+        </p:spPr>
+        <p:txBody>
+          <a:bodyPr lIns="91425" tIns="91425" rIns="91425" bIns="91425" anchor="ctr" anchorCtr="0">
+            <a:noAutofit/>
+          </a:bodyPr>
+          <a:lstStyle/>
+          <a:p>
+            <a:pPr lvl="0">
+              <a:spcBef>
+                <a:spcPts val="0"/>
+              </a:spcBef>
+              <a:buNone/>
+            </a:pPr>
+            <a:endParaRPr/>
+          </a:p>
+        </p:txBody>
+      </p:sp>
+      <p:cxnSp>
+        <p:nvCxnSpPr>
+          <p:cNvPr id="145" name="Shape 145"/>
+          <p:cNvCxnSpPr>
+            <a:endCxn id="144" idx="2"/>
+          </p:cNvCxnSpPr>
+          <p:nvPr/>
+        </p:nvCxnSpPr>
+        <p:spPr>
+          <a:xfrm rot="10800000" flipH="1">
+            <a:off x="6255000" y="2365225"/>
+            <a:ext cx="1482000" cy="1133100"/>
+          </a:xfrm>
+          <a:prstGeom prst="straightConnector1">
+            <a:avLst/>
+          </a:prstGeom>
+          <a:noFill/>
+          <a:ln w="19050" cap="flat" cmpd="sng">
+            <a:solidFill>
+              <a:schemeClr val="dk2"/>
+            </a:solidFill>
+            <a:prstDash val="solid"/>
+            <a:round/>
+            <a:headEnd type="none" w="lg" len="lg"/>
+            <a:tailEnd type="triangle" w="lg" len="lg"/>
+          </a:ln>
+        </p:spPr>
+      </p:cxnSp>
+      <p:sp>
+        <p:nvSpPr>
+          <p:cNvPr id="146" name="Shape 146"/>
+          <p:cNvSpPr txBox="1"/>
+          <p:nvPr/>
+        </p:nvSpPr>
+        <p:spPr>
+          <a:xfrm>
+            <a:off x="5056325" y="3443925"/>
+            <a:ext cx="3192899" cy="544800"/>
+          </a:xfrm>
+          <a:prstGeom prst="rect">
+            <a:avLst/>
+          </a:prstGeom>
+          <a:noFill/>
+          <a:ln>
+            <a:noFill/>
+          </a:ln>
+        </p:spPr>
+        <p:txBody>
+          <a:bodyPr lIns="91425" tIns="91425" rIns="91425" bIns="91425" anchor="t" anchorCtr="0">
+            <a:noAutofit/>
+          </a:bodyPr>
+          <a:lstStyle/>
+          <a:p>
+            <a:pPr lvl="0" rtl="0">
+              <a:spcBef>
+                <a:spcPts val="0"/>
+              </a:spcBef>
+              <a:buNone/>
+            </a:pPr>
+            <a:r>
+              <a:rPr lang="es"/>
+              <a:t>Introducir aquí el id del POJO a borrar</a:t>
+            </a:r>
+          </a:p>
+        </p:txBody>
+      </p:sp>
+    </p:spTree>
+  </p:cSld>
+  <p:clrMapOvr>
+    <a:masterClrMapping/>
+  </p:clrMapOvr>
+  <p:transition spd="slow">
+    <p:cut/>
+  </p:transition>
+</p:sld>
+</file>
+
+<file path=ppt/slides/slide15.xml><?xml version="1.0" encoding="utf-8"?>
+<p:sld xmlns:a="http://schemas.openxmlformats.org/drawingml/2006/main" xmlns:r="http://schemas.openxmlformats.org/officeDocument/2006/relationships" xmlns:p="http://schemas.openxmlformats.org/presentationml/2006/main">
+  <p:cSld>
+    <p:spTree>
+      <p:nvGrpSpPr>
+        <p:cNvPr id="1" name="Shape 150"/>
+        <p:cNvGrpSpPr/>
+        <p:nvPr/>
+      </p:nvGrpSpPr>
+      <p:grpSpPr>
+        <a:xfrm>
+          <a:off x="0" y="0"/>
+          <a:ext cx="0" cy="0"/>
+          <a:chOff x="0" y="0"/>
+          <a:chExt cx="0" cy="0"/>
+        </a:xfrm>
+      </p:grpSpPr>
+      <p:sp>
+        <p:nvSpPr>
+          <p:cNvPr id="151" name="Shape 151"/>
+          <p:cNvSpPr txBox="1">
+            <a:spLocks noGrp="1"/>
+          </p:cNvSpPr>
+          <p:nvPr>
+            <p:ph type="title"/>
+          </p:nvPr>
+        </p:nvSpPr>
+        <p:spPr>
+          <a:xfrm>
+            <a:off x="457200" y="139527"/>
+            <a:ext cx="8229600" cy="857400"/>
+          </a:xfrm>
+          <a:prstGeom prst="rect">
+            <a:avLst/>
+          </a:prstGeom>
+        </p:spPr>
+        <p:txBody>
+          <a:bodyPr lIns="91425" tIns="91425" rIns="91425" bIns="91425" anchor="b" anchorCtr="0">
+            <a:noAutofit/>
+          </a:bodyPr>
+          <a:lstStyle/>
+          <a:p>
+            <a:pPr lvl="0">
+              <a:spcBef>
+                <a:spcPts val="0"/>
+              </a:spcBef>
+              <a:buNone/>
+            </a:pPr>
+            <a:r>
+              <a:rPr lang="es"/>
+              <a:t>Composición de POJO’s</a:t>
+            </a:r>
+          </a:p>
+        </p:txBody>
+      </p:sp>
+      <p:sp>
+        <p:nvSpPr>
+          <p:cNvPr id="152" name="Shape 152"/>
+          <p:cNvSpPr txBox="1">
+            <a:spLocks noGrp="1"/>
+          </p:cNvSpPr>
+          <p:nvPr>
+            <p:ph type="body" idx="1"/>
+          </p:nvPr>
+        </p:nvSpPr>
+        <p:spPr>
+          <a:xfrm>
+            <a:off x="457200" y="1200150"/>
+            <a:ext cx="8229600" cy="3725699"/>
+          </a:xfrm>
+          <a:prstGeom prst="rect">
+            <a:avLst/>
+          </a:prstGeom>
+        </p:spPr>
+        <p:txBody>
+          <a:bodyPr lIns="91425" tIns="91425" rIns="91425" bIns="91425" anchor="t" anchorCtr="0">
+            <a:noAutofit/>
+          </a:bodyPr>
+          <a:lstStyle/>
+          <a:p>
+            <a:pPr marL="457200" lvl="0" indent="-342900" rtl="0">
+              <a:spcBef>
+                <a:spcPts val="0"/>
+              </a:spcBef>
+              <a:buSzPct val="100000"/>
+            </a:pPr>
+            <a:r>
+              <a:rPr lang="es" sz="1800"/>
+              <a:t>Trabajar con un único POJO, o con POJO’s que no se relacionen con otros es relativamente sencillo, y no harían imprescindible un framework de persistencia.</a:t>
+            </a:r>
+          </a:p>
+          <a:p>
+            <a:pPr marL="457200" lvl="0" indent="-342900" rtl="0">
+              <a:spcBef>
+                <a:spcPts val="0"/>
+              </a:spcBef>
+              <a:buSzPct val="100000"/>
+            </a:pPr>
+            <a:r>
+              <a:rPr lang="es" sz="1800"/>
+              <a:t>El “problema” viene cuando un POJO se relaciona con otros, y esa relación puede ser de tres tipos.</a:t>
+            </a:r>
+          </a:p>
+          <a:p>
+            <a:pPr marL="914400" lvl="1" indent="-342900" rtl="0">
+              <a:spcBef>
+                <a:spcPts val="0"/>
+              </a:spcBef>
+              <a:buSzPct val="100000"/>
+            </a:pPr>
+            <a:r>
+              <a:rPr lang="es" sz="1800"/>
+              <a:t>Uno a uno (1:1)</a:t>
+            </a:r>
+          </a:p>
+          <a:p>
+            <a:pPr marL="914400" lvl="1" indent="-342900" rtl="0">
+              <a:spcBef>
+                <a:spcPts val="0"/>
+              </a:spcBef>
+              <a:buSzPct val="100000"/>
+            </a:pPr>
+            <a:r>
+              <a:rPr lang="es" sz="1800"/>
+              <a:t>Uno a varios ó varios a uno. (1:N ó N:1)</a:t>
+            </a:r>
+          </a:p>
+          <a:p>
+            <a:pPr marL="914400" lvl="1" indent="-342900" rtl="0">
+              <a:spcBef>
+                <a:spcPts val="0"/>
+              </a:spcBef>
+              <a:buSzPct val="100000"/>
+            </a:pPr>
+            <a:r>
+              <a:rPr lang="es" sz="1800"/>
+              <a:t>Muchos a muchos (N:M)</a:t>
+            </a:r>
+          </a:p>
+          <a:p>
+            <a:pPr marL="457200" lvl="0" indent="-342900" rtl="0">
+              <a:spcBef>
+                <a:spcPts val="0"/>
+              </a:spcBef>
+              <a:buSzPct val="100000"/>
+            </a:pPr>
+            <a:r>
+              <a:rPr lang="es" sz="1800"/>
+              <a:t>En cualquiera de estas situaciones, es muy importante que las relaciones entre los POJO’s sean “bidireccionales” y “coherentes” antes de persistirlos.</a:t>
+            </a:r>
+          </a:p>
+        </p:txBody>
+      </p:sp>
+    </p:spTree>
+  </p:cSld>
+  <p:clrMapOvr>
+    <a:masterClrMapping/>
+  </p:clrMapOvr>
+  <p:transition spd="slow">
+    <p:cut/>
+  </p:transition>
+</p:sld>
+</file>
+
+<file path=ppt/slides/slide16.xml><?xml version="1.0" encoding="utf-8"?>
+<p:sld xmlns:a="http://schemas.openxmlformats.org/drawingml/2006/main" xmlns:r="http://schemas.openxmlformats.org/officeDocument/2006/relationships" xmlns:p="http://schemas.openxmlformats.org/presentationml/2006/main">
+  <p:cSld>
+    <p:spTree>
+      <p:nvGrpSpPr>
+        <p:cNvPr id="1" name="Shape 156"/>
+        <p:cNvGrpSpPr/>
+        <p:nvPr/>
+      </p:nvGrpSpPr>
+      <p:grpSpPr>
+        <a:xfrm>
+          <a:off x="0" y="0"/>
+          <a:ext cx="0" cy="0"/>
+          <a:chOff x="0" y="0"/>
+          <a:chExt cx="0" cy="0"/>
+        </a:xfrm>
+      </p:grpSpPr>
+      <p:sp>
+        <p:nvSpPr>
+          <p:cNvPr id="157" name="Shape 157"/>
+          <p:cNvSpPr txBox="1">
+            <a:spLocks noGrp="1"/>
+          </p:cNvSpPr>
+          <p:nvPr>
+            <p:ph type="title"/>
+          </p:nvPr>
+        </p:nvSpPr>
+        <p:spPr>
+          <a:xfrm>
+            <a:off x="457200" y="139527"/>
+            <a:ext cx="8229600" cy="857400"/>
+          </a:xfrm>
+          <a:prstGeom prst="rect">
+            <a:avLst/>
+          </a:prstGeom>
+        </p:spPr>
+        <p:txBody>
+          <a:bodyPr lIns="91425" tIns="91425" rIns="91425" bIns="91425" anchor="b" anchorCtr="0">
+            <a:noAutofit/>
+          </a:bodyPr>
+          <a:lstStyle/>
+          <a:p>
+            <a:pPr lvl="0">
+              <a:spcBef>
+                <a:spcPts val="0"/>
+              </a:spcBef>
+              <a:buNone/>
+            </a:pPr>
+            <a:r>
+              <a:rPr lang="es"/>
               <a:t>Implementando la composición</a:t>
             </a:r>
           </a:p>
@@ -5868,20 +7058,20 @@
       </p:sp>
       <p:graphicFrame>
         <p:nvGraphicFramePr>
-          <p:cNvPr id="141" name="Shape 141"/>
+          <p:cNvPr id="158" name="Shape 158"/>
           <p:cNvGraphicFramePr/>
           <p:nvPr/>
         </p:nvGraphicFramePr>
         <p:xfrm>
           <a:off x="3441050" y="1268050"/>
-          <a:ext cx="3000000" cy="3000000"/>
+          <a:ext cx="5245750" cy="3687960"/>
         </p:xfrm>
         <a:graphic>
           <a:graphicData uri="http://schemas.openxmlformats.org/drawingml/2006/table">
             <a:tbl>
               <a:tblPr>
                 <a:noFill/>
-                <a:tableStyleId>{3379B38E-BC02-4EB4-86E2-2CAE2360AD37}</a:tableStyleId>
+                <a:tableStyleId>{F7D7C2FC-C627-46FC-8FF9-8138571F0F06}</a:tableStyleId>
               </a:tblPr>
               <a:tblGrid>
                 <a:gridCol w="2707000"/>
@@ -6461,7 +7651,7 @@
       </p:graphicFrame>
       <p:grpSp>
         <p:nvGrpSpPr>
-          <p:cNvPr id="142" name="Shape 142"/>
+          <p:cNvPr id="159" name="Shape 159"/>
           <p:cNvGrpSpPr/>
           <p:nvPr/>
         </p:nvGrpSpPr>
@@ -6475,7 +7665,7 @@
         </p:grpSpPr>
         <p:sp>
           <p:nvSpPr>
-            <p:cNvPr id="143" name="Shape 143"/>
+            <p:cNvPr id="160" name="Shape 160"/>
             <p:cNvSpPr txBox="1"/>
             <p:nvPr/>
           </p:nvSpPr>
@@ -6519,7 +7709,7 @@
         </p:sp>
         <p:sp>
           <p:nvSpPr>
-            <p:cNvPr id="144" name="Shape 144"/>
+            <p:cNvPr id="161" name="Shape 161"/>
             <p:cNvSpPr txBox="1"/>
             <p:nvPr/>
           </p:nvSpPr>
@@ -6563,10 +7753,10 @@
         </p:sp>
         <p:cxnSp>
           <p:nvCxnSpPr>
-            <p:cNvPr id="145" name="Shape 145"/>
+            <p:cNvPr id="162" name="Shape 162"/>
             <p:cNvCxnSpPr>
-              <a:stCxn id="143" idx="3"/>
-              <a:endCxn id="144" idx="1"/>
+              <a:stCxn id="160" idx="3"/>
+              <a:endCxn id="161" idx="1"/>
             </p:cNvCxnSpPr>
             <p:nvPr/>
           </p:nvCxnSpPr>
@@ -6592,7 +7782,7 @@
         </p:cxnSp>
         <p:sp>
           <p:nvSpPr>
-            <p:cNvPr id="146" name="Shape 146"/>
+            <p:cNvPr id="163" name="Shape 163"/>
             <p:cNvSpPr txBox="1"/>
             <p:nvPr/>
           </p:nvSpPr>
@@ -6630,7 +7820,7 @@
         </p:sp>
         <p:sp>
           <p:nvSpPr>
-            <p:cNvPr id="147" name="Shape 147"/>
+            <p:cNvPr id="164" name="Shape 164"/>
             <p:cNvSpPr txBox="1"/>
             <p:nvPr/>
           </p:nvSpPr>
@@ -6669,7 +7859,7 @@
       </p:grpSp>
       <p:grpSp>
         <p:nvGrpSpPr>
-          <p:cNvPr id="148" name="Shape 148"/>
+          <p:cNvPr id="165" name="Shape 165"/>
           <p:cNvGrpSpPr/>
           <p:nvPr/>
         </p:nvGrpSpPr>
@@ -6683,7 +7873,7 @@
         </p:grpSpPr>
         <p:sp>
           <p:nvSpPr>
-            <p:cNvPr id="149" name="Shape 149"/>
+            <p:cNvPr id="166" name="Shape 166"/>
             <p:cNvSpPr txBox="1"/>
             <p:nvPr/>
           </p:nvSpPr>
@@ -6727,7 +7917,7 @@
         </p:sp>
         <p:sp>
           <p:nvSpPr>
-            <p:cNvPr id="150" name="Shape 150"/>
+            <p:cNvPr id="167" name="Shape 167"/>
             <p:cNvSpPr txBox="1"/>
             <p:nvPr/>
           </p:nvSpPr>
@@ -6771,10 +7961,10 @@
         </p:sp>
         <p:cxnSp>
           <p:nvCxnSpPr>
-            <p:cNvPr id="151" name="Shape 151"/>
+            <p:cNvPr id="168" name="Shape 168"/>
             <p:cNvCxnSpPr>
-              <a:stCxn id="149" idx="3"/>
-              <a:endCxn id="150" idx="1"/>
+              <a:stCxn id="166" idx="3"/>
+              <a:endCxn id="167" idx="1"/>
             </p:cNvCxnSpPr>
             <p:nvPr/>
           </p:nvCxnSpPr>
@@ -6800,7 +7990,7 @@
         </p:cxnSp>
         <p:sp>
           <p:nvSpPr>
-            <p:cNvPr id="152" name="Shape 152"/>
+            <p:cNvPr id="169" name="Shape 169"/>
             <p:cNvSpPr txBox="1"/>
             <p:nvPr/>
           </p:nvSpPr>
@@ -6838,7 +8028,7 @@
         </p:sp>
         <p:sp>
           <p:nvSpPr>
-            <p:cNvPr id="153" name="Shape 153"/>
+            <p:cNvPr id="170" name="Shape 170"/>
             <p:cNvSpPr txBox="1"/>
             <p:nvPr/>
           </p:nvSpPr>
@@ -6877,7 +8067,7 @@
       </p:grpSp>
       <p:grpSp>
         <p:nvGrpSpPr>
-          <p:cNvPr id="154" name="Shape 154"/>
+          <p:cNvPr id="171" name="Shape 171"/>
           <p:cNvGrpSpPr/>
           <p:nvPr/>
         </p:nvGrpSpPr>
@@ -6891,7 +8081,7 @@
         </p:grpSpPr>
         <p:sp>
           <p:nvSpPr>
-            <p:cNvPr id="155" name="Shape 155"/>
+            <p:cNvPr id="172" name="Shape 172"/>
             <p:cNvSpPr txBox="1"/>
             <p:nvPr/>
           </p:nvSpPr>
@@ -6935,7 +8125,7 @@
         </p:sp>
         <p:sp>
           <p:nvSpPr>
-            <p:cNvPr id="156" name="Shape 156"/>
+            <p:cNvPr id="173" name="Shape 173"/>
             <p:cNvSpPr txBox="1"/>
             <p:nvPr/>
           </p:nvSpPr>
@@ -6979,10 +8169,10 @@
         </p:sp>
         <p:cxnSp>
           <p:nvCxnSpPr>
-            <p:cNvPr id="157" name="Shape 157"/>
+            <p:cNvPr id="174" name="Shape 174"/>
             <p:cNvCxnSpPr>
-              <a:stCxn id="155" idx="3"/>
-              <a:endCxn id="156" idx="1"/>
+              <a:stCxn id="172" idx="3"/>
+              <a:endCxn id="173" idx="1"/>
             </p:cNvCxnSpPr>
             <p:nvPr/>
           </p:nvCxnSpPr>
@@ -7008,7 +8198,7 @@
         </p:cxnSp>
         <p:sp>
           <p:nvSpPr>
-            <p:cNvPr id="158" name="Shape 158"/>
+            <p:cNvPr id="175" name="Shape 175"/>
             <p:cNvSpPr txBox="1"/>
             <p:nvPr/>
           </p:nvSpPr>
@@ -7046,7 +8236,7 @@
         </p:sp>
         <p:sp>
           <p:nvSpPr>
-            <p:cNvPr id="159" name="Shape 159"/>
+            <p:cNvPr id="176" name="Shape 176"/>
             <p:cNvSpPr txBox="1"/>
             <p:nvPr/>
           </p:nvSpPr>
@@ -7094,12 +8284,12 @@
 </p:sld>
 </file>
 
-<file path=ppt/slides/slide15.xml><?xml version="1.0" encoding="utf-8"?>
+<file path=ppt/slides/slide17.xml><?xml version="1.0" encoding="utf-8"?>
 <p:sld xmlns:a="http://schemas.openxmlformats.org/drawingml/2006/main" xmlns:r="http://schemas.openxmlformats.org/officeDocument/2006/relationships" xmlns:p="http://schemas.openxmlformats.org/presentationml/2006/main">
   <p:cSld>
     <p:spTree>
       <p:nvGrpSpPr>
-        <p:cNvPr id="1" name="Shape 163"/>
+        <p:cNvPr id="1" name="Shape 180"/>
         <p:cNvGrpSpPr/>
         <p:nvPr/>
       </p:nvGrpSpPr>
@@ -7113,7 +8303,7 @@
       </p:grpSpPr>
       <p:sp>
         <p:nvSpPr>
-          <p:cNvPr id="164" name="Shape 164"/>
+          <p:cNvPr id="181" name="Shape 181"/>
           <p:cNvSpPr txBox="1">
             <a:spLocks noGrp="1"/>
           </p:cNvSpPr>
@@ -7151,7 +8341,7 @@
       </p:sp>
       <p:sp>
         <p:nvSpPr>
-          <p:cNvPr id="165" name="Shape 165"/>
+          <p:cNvPr id="182" name="Shape 182"/>
           <p:cNvSpPr txBox="1">
             <a:spLocks noGrp="1"/>
           </p:cNvSpPr>
@@ -7524,279 +8714,6 @@
                 </a:solidFill>
               </a:rPr>
               <a:t>Se pueden seleccionar varios modos cascade incluyéndolos entre llaves y separándolos por comas.</a:t>
-            </a:r>
-          </a:p>
-        </p:txBody>
-      </p:sp>
-    </p:spTree>
-  </p:cSld>
-  <p:clrMapOvr>
-    <a:masterClrMapping/>
-  </p:clrMapOvr>
-  <p:transition spd="slow">
-    <p:cut/>
-  </p:transition>
-</p:sld>
-</file>
-
-<file path=ppt/slides/slide16.xml><?xml version="1.0" encoding="utf-8"?>
-<p:sld xmlns:a="http://schemas.openxmlformats.org/drawingml/2006/main" xmlns:r="http://schemas.openxmlformats.org/officeDocument/2006/relationships" xmlns:p="http://schemas.openxmlformats.org/presentationml/2006/main">
-  <p:cSld>
-    <p:spTree>
-      <p:nvGrpSpPr>
-        <p:cNvPr id="1" name="Shape 169"/>
-        <p:cNvGrpSpPr/>
-        <p:nvPr/>
-      </p:nvGrpSpPr>
-      <p:grpSpPr>
-        <a:xfrm>
-          <a:off x="0" y="0"/>
-          <a:ext cx="0" cy="0"/>
-          <a:chOff x="0" y="0"/>
-          <a:chExt cx="0" cy="0"/>
-        </a:xfrm>
-      </p:grpSpPr>
-      <p:sp>
-        <p:nvSpPr>
-          <p:cNvPr id="170" name="Shape 170"/>
-          <p:cNvSpPr txBox="1">
-            <a:spLocks noGrp="1"/>
-          </p:cNvSpPr>
-          <p:nvPr>
-            <p:ph type="title"/>
-          </p:nvPr>
-        </p:nvSpPr>
-        <p:spPr>
-          <a:xfrm>
-            <a:off x="457200" y="139527"/>
-            <a:ext cx="8229600" cy="857400"/>
-          </a:xfrm>
-          <a:prstGeom prst="rect">
-            <a:avLst/>
-          </a:prstGeom>
-        </p:spPr>
-        <p:txBody>
-          <a:bodyPr lIns="91425" tIns="91425" rIns="91425" bIns="91425" anchor="b" anchorCtr="0">
-            <a:noAutofit/>
-          </a:bodyPr>
-          <a:lstStyle/>
-          <a:p>
-            <a:pPr lvl="0">
-              <a:spcBef>
-                <a:spcPts val="0"/>
-              </a:spcBef>
-              <a:buNone/>
-            </a:pPr>
-            <a:r>
-              <a:rPr lang="es"/>
-              <a:t>Borrado de “huérfanos”</a:t>
-            </a:r>
-          </a:p>
-        </p:txBody>
-      </p:sp>
-      <p:sp>
-        <p:nvSpPr>
-          <p:cNvPr id="171" name="Shape 171"/>
-          <p:cNvSpPr txBox="1">
-            <a:spLocks noGrp="1"/>
-          </p:cNvSpPr>
-          <p:nvPr>
-            <p:ph type="body" idx="1"/>
-          </p:nvPr>
-        </p:nvSpPr>
-        <p:spPr>
-          <a:xfrm>
-            <a:off x="457200" y="1200150"/>
-            <a:ext cx="8229600" cy="3725699"/>
-          </a:xfrm>
-          <a:prstGeom prst="rect">
-            <a:avLst/>
-          </a:prstGeom>
-        </p:spPr>
-        <p:txBody>
-          <a:bodyPr lIns="91425" tIns="91425" rIns="91425" bIns="91425" anchor="t" anchorCtr="0">
-            <a:noAutofit/>
-          </a:bodyPr>
-          <a:lstStyle/>
-          <a:p>
-            <a:pPr marL="457200" lvl="0" indent="-393700" rtl="0">
-              <a:spcBef>
-                <a:spcPts val="0"/>
-              </a:spcBef>
-              <a:buSzPct val="100000"/>
-            </a:pPr>
-            <a:r>
-              <a:rPr lang="es" sz="2600"/>
-              <a:t>Sirve para que al desasociarse de un objeto en el mundo “objetual” se borre dicho objeto en la BD en el caso de que se haya quedado “huérfano”, es decir que ninguna otra entidad “apunte” a él.</a:t>
-            </a:r>
-          </a:p>
-          <a:p>
-            <a:pPr marL="457200" lvl="0" indent="-393700">
-              <a:spcBef>
-                <a:spcPts val="0"/>
-              </a:spcBef>
-              <a:buSzPct val="100000"/>
-            </a:pPr>
-            <a:r>
-              <a:rPr lang="es" sz="2600"/>
-              <a:t>Se consigue indicando en la anotación @OneToOne, @ManyToOne o @OneToMany, el atributo </a:t>
-            </a:r>
-            <a:r>
-              <a:rPr lang="es" sz="2600">
-                <a:solidFill>
-                  <a:srgbClr val="0000FF"/>
-                </a:solidFill>
-              </a:rPr>
-              <a:t>orphanRemoval=true</a:t>
-            </a:r>
-          </a:p>
-        </p:txBody>
-      </p:sp>
-    </p:spTree>
-  </p:cSld>
-  <p:clrMapOvr>
-    <a:masterClrMapping/>
-  </p:clrMapOvr>
-  <p:transition spd="slow">
-    <p:cut/>
-  </p:transition>
-</p:sld>
-</file>
-
-<file path=ppt/slides/slide17.xml><?xml version="1.0" encoding="utf-8"?>
-<p:sld xmlns:a="http://schemas.openxmlformats.org/drawingml/2006/main" xmlns:r="http://schemas.openxmlformats.org/officeDocument/2006/relationships" xmlns:p="http://schemas.openxmlformats.org/presentationml/2006/main">
-  <p:cSld>
-    <p:spTree>
-      <p:nvGrpSpPr>
-        <p:cNvPr id="1" name="Shape 175"/>
-        <p:cNvGrpSpPr/>
-        <p:nvPr/>
-      </p:nvGrpSpPr>
-      <p:grpSpPr>
-        <a:xfrm>
-          <a:off x="0" y="0"/>
-          <a:ext cx="0" cy="0"/>
-          <a:chOff x="0" y="0"/>
-          <a:chExt cx="0" cy="0"/>
-        </a:xfrm>
-      </p:grpSpPr>
-      <p:sp>
-        <p:nvSpPr>
-          <p:cNvPr id="176" name="Shape 176"/>
-          <p:cNvSpPr txBox="1">
-            <a:spLocks noGrp="1"/>
-          </p:cNvSpPr>
-          <p:nvPr>
-            <p:ph type="title"/>
-          </p:nvPr>
-        </p:nvSpPr>
-        <p:spPr>
-          <a:xfrm>
-            <a:off x="457200" y="139527"/>
-            <a:ext cx="8229600" cy="857400"/>
-          </a:xfrm>
-          <a:prstGeom prst="rect">
-            <a:avLst/>
-          </a:prstGeom>
-        </p:spPr>
-        <p:txBody>
-          <a:bodyPr lIns="91425" tIns="91425" rIns="91425" bIns="91425" anchor="b" anchorCtr="0">
-            <a:noAutofit/>
-          </a:bodyPr>
-          <a:lstStyle/>
-          <a:p>
-            <a:pPr lvl="0">
-              <a:spcBef>
-                <a:spcPts val="0"/>
-              </a:spcBef>
-              <a:buNone/>
-            </a:pPr>
-            <a:r>
-              <a:rPr lang="es"/>
-              <a:t>Modos de materialización</a:t>
-            </a:r>
-          </a:p>
-        </p:txBody>
-      </p:sp>
-      <p:sp>
-        <p:nvSpPr>
-          <p:cNvPr id="177" name="Shape 177"/>
-          <p:cNvSpPr txBox="1">
-            <a:spLocks noGrp="1"/>
-          </p:cNvSpPr>
-          <p:nvPr>
-            <p:ph type="body" idx="1"/>
-          </p:nvPr>
-        </p:nvSpPr>
-        <p:spPr>
-          <a:xfrm>
-            <a:off x="457200" y="1200150"/>
-            <a:ext cx="8229600" cy="3725699"/>
-          </a:xfrm>
-          <a:prstGeom prst="rect">
-            <a:avLst/>
-          </a:prstGeom>
-        </p:spPr>
-        <p:txBody>
-          <a:bodyPr lIns="91425" tIns="91425" rIns="91425" bIns="91425" anchor="t" anchorCtr="0">
-            <a:noAutofit/>
-          </a:bodyPr>
-          <a:lstStyle/>
-          <a:p>
-            <a:pPr marL="457200" lvl="0" indent="-228600" rtl="0">
-              <a:spcBef>
-                <a:spcPts val="0"/>
-              </a:spcBef>
-            </a:pPr>
-            <a:r>
-              <a:rPr lang="es"/>
-              <a:t>En cada POJO se puede indicar el modo de materialización, que indica cúando “subirán” a memoria los POJO’s dependientes cuando se realice una consulta</a:t>
-            </a:r>
-          </a:p>
-          <a:p>
-            <a:pPr marL="914400" lvl="1" indent="-228600" rtl="0">
-              <a:spcBef>
-                <a:spcPts val="0"/>
-              </a:spcBef>
-            </a:pPr>
-            <a:r>
-              <a:rPr lang="es"/>
-              <a:t>Ansiosa: fetch=FetchType.EAGER</a:t>
-            </a:r>
-          </a:p>
-          <a:p>
-            <a:pPr marL="1371600" lvl="2" indent="-342900" rtl="0">
-              <a:spcBef>
-                <a:spcPts val="0"/>
-              </a:spcBef>
-              <a:buSzPct val="100000"/>
-            </a:pPr>
-            <a:r>
-              <a:rPr lang="es" sz="1800"/>
-              <a:t>Los POJO’s dependientes subirán inmediatamente a memoria.</a:t>
-            </a:r>
-          </a:p>
-          <a:p>
-            <a:pPr marL="914400" lvl="1" indent="-228600" rtl="0">
-              <a:spcBef>
-                <a:spcPts val="0"/>
-              </a:spcBef>
-            </a:pPr>
-            <a:r>
-              <a:rPr lang="es"/>
-              <a:t>Perezosa: fetch=FetchType.LAZY</a:t>
-            </a:r>
-          </a:p>
-          <a:p>
-            <a:pPr marL="1371600" lvl="2" indent="-342900">
-              <a:spcBef>
-                <a:spcPts val="0"/>
-              </a:spcBef>
-              <a:buSzPct val="100000"/>
-            </a:pPr>
-            <a:r>
-              <a:rPr lang="es" sz="1800"/>
-              <a:t>Los POJO’s dependientes subirán a memoria cuando se acceda a ellos.</a:t>
             </a:r>
           </a:p>
         </p:txBody>
@@ -7817,7 +8734,7 @@
   <p:cSld>
     <p:spTree>
       <p:nvGrpSpPr>
-        <p:cNvPr id="1" name="Shape 181"/>
+        <p:cNvPr id="1" name="Shape 186"/>
         <p:cNvGrpSpPr/>
         <p:nvPr/>
       </p:nvGrpSpPr>
@@ -7831,7 +8748,7 @@
       </p:grpSpPr>
       <p:sp>
         <p:nvSpPr>
-          <p:cNvPr id="182" name="Shape 182"/>
+          <p:cNvPr id="187" name="Shape 187"/>
           <p:cNvSpPr txBox="1">
             <a:spLocks noGrp="1"/>
           </p:cNvSpPr>
@@ -7862,14 +8779,14 @@
             </a:pPr>
             <a:r>
               <a:rPr lang="es"/>
-              <a:t>Relaciones uno a uno</a:t>
+              <a:t>Borrado de “huérfanos”</a:t>
             </a:r>
           </a:p>
         </p:txBody>
       </p:sp>
       <p:sp>
         <p:nvSpPr>
-          <p:cNvPr id="183" name="Shape 183"/>
+          <p:cNvPr id="188" name="Shape 188"/>
           <p:cNvSpPr txBox="1">
             <a:spLocks noGrp="1"/>
           </p:cNvSpPr>
@@ -7879,8 +8796,8 @@
         </p:nvSpPr>
         <p:spPr>
           <a:xfrm>
-            <a:off x="389175" y="1200150"/>
-            <a:ext cx="8372699" cy="3838199"/>
+            <a:off x="457200" y="1200150"/>
+            <a:ext cx="8229600" cy="3725699"/>
           </a:xfrm>
           <a:prstGeom prst="rect">
             <a:avLst/>
@@ -7892,258 +8809,35 @@
           </a:bodyPr>
           <a:lstStyle/>
           <a:p>
-            <a:pPr marL="457200" lvl="0" indent="-317500" rtl="0">
+            <a:pPr marL="457200" lvl="0" indent="-393700" rtl="0">
               <a:spcBef>
                 <a:spcPts val="0"/>
               </a:spcBef>
               <a:buSzPct val="100000"/>
             </a:pPr>
             <a:r>
-              <a:rPr lang="es" sz="1400"/>
-              <a:t>Sean dos clases: “Base” y “Uno”. Para establecer una relación persistente entre ambos deberemos:</a:t>
-            </a:r>
-          </a:p>
-          <a:p>
-            <a:pPr marL="914400" lvl="1" indent="-311150" rtl="0">
+              <a:rPr lang="es" sz="2600"/>
+              <a:t>Sirve para que al desasociarse de un objeto en el mundo “objetual” se borre dicho objeto en la BD en el caso de que se haya quedado “huérfano”, es decir que ninguna otra entidad “apunte” a él.</a:t>
+            </a:r>
+          </a:p>
+          <a:p>
+            <a:pPr marL="457200" lvl="0" indent="-393700">
               <a:spcBef>
                 <a:spcPts val="0"/>
               </a:spcBef>
               <a:buSzPct val="100000"/>
             </a:pPr>
             <a:r>
-              <a:rPr lang="es" sz="1300"/>
-              <a:t>Añadir a “Base” un atributo “Uno uno”.</a:t>
-            </a:r>
-          </a:p>
-          <a:p>
-            <a:pPr marL="914400" lvl="1" indent="-311150" rtl="0">
-              <a:spcBef>
-                <a:spcPts val="0"/>
-              </a:spcBef>
-              <a:buSzPct val="100000"/>
-            </a:pPr>
-            <a:r>
-              <a:rPr lang="es" sz="1300"/>
-              <a:t>Anotar getUno() por ejemplo, con </a:t>
-            </a:r>
-          </a:p>
-          <a:p>
-            <a:pPr marL="1371600" lvl="2" indent="-311150" rtl="0">
-              <a:spcBef>
-                <a:spcPts val="0"/>
-              </a:spcBef>
-              <a:buClr>
-                <a:srgbClr val="0000FF"/>
-              </a:buClr>
-              <a:buSzPct val="100000"/>
-            </a:pPr>
-            <a:r>
-              <a:rPr lang="es" sz="1300">
+              <a:rPr lang="es" sz="2600"/>
+              <a:t>Se consigue indicando en la anotación @OneToOne, @ManyToOne o @OneToMany, el atributo </a:t>
+            </a:r>
+            <a:r>
+              <a:rPr lang="es" sz="2600">
                 <a:solidFill>
                   <a:srgbClr val="0000FF"/>
                 </a:solidFill>
               </a:rPr>
-              <a:t>@OneToOne(cascade = {CascadeType.ALL}, fetch=FetchType.LAZY)</a:t>
-            </a:r>
-          </a:p>
-          <a:p>
-            <a:pPr marL="914400" marR="0" lvl="1" indent="-311150" algn="l" rtl="0">
-              <a:lnSpc>
-                <a:spcPct val="100000"/>
-              </a:lnSpc>
-              <a:spcBef>
-                <a:spcPts val="480"/>
-              </a:spcBef>
-              <a:spcAft>
-                <a:spcPts val="0"/>
-              </a:spcAft>
-              <a:buSzPct val="100000"/>
-            </a:pPr>
-            <a:r>
-              <a:rPr lang="es" sz="1300"/>
-              <a:t>Añadir a “Uno” un atributo “Base base”</a:t>
-            </a:r>
-          </a:p>
-          <a:p>
-            <a:pPr marL="914400" marR="0" lvl="1" indent="-311150" algn="l" rtl="0">
-              <a:lnSpc>
-                <a:spcPct val="100000"/>
-              </a:lnSpc>
-              <a:spcBef>
-                <a:spcPts val="480"/>
-              </a:spcBef>
-              <a:spcAft>
-                <a:spcPts val="0"/>
-              </a:spcAft>
-              <a:buSzPct val="100000"/>
-            </a:pPr>
-            <a:r>
-              <a:rPr lang="es" sz="1300"/>
-              <a:t>Anotar getBase() por ejemplo, con</a:t>
-            </a:r>
-          </a:p>
-          <a:p>
-            <a:pPr marL="1371600" marR="0" lvl="2" indent="-311150" algn="l" rtl="0">
-              <a:lnSpc>
-                <a:spcPct val="100000"/>
-              </a:lnSpc>
-              <a:spcBef>
-                <a:spcPts val="480"/>
-              </a:spcBef>
-              <a:spcAft>
-                <a:spcPts val="0"/>
-              </a:spcAft>
-              <a:buClr>
-                <a:srgbClr val="0000FF"/>
-              </a:buClr>
-              <a:buSzPct val="100000"/>
-            </a:pPr>
-            <a:r>
-              <a:rPr lang="es" sz="1300">
-                <a:solidFill>
-                  <a:srgbClr val="0000FF"/>
-                </a:solidFill>
-              </a:rPr>
-              <a:t>@OneToOne(cascade = {CascadeType.ALL}, fetch=FetchType.LAZY)</a:t>
-            </a:r>
-          </a:p>
-          <a:p>
-            <a:pPr marL="914400" marR="0" lvl="1" indent="-311150" algn="l" rtl="0">
-              <a:lnSpc>
-                <a:spcPct val="100000"/>
-              </a:lnSpc>
-              <a:spcBef>
-                <a:spcPts val="480"/>
-              </a:spcBef>
-              <a:spcAft>
-                <a:spcPts val="0"/>
-              </a:spcAft>
-              <a:buSzPct val="100000"/>
-            </a:pPr>
-            <a:r>
-              <a:rPr lang="es" sz="1300"/>
-              <a:t>Crear un objeto “uno” de clase “Uno” y un objeto “base” de clase “Base”</a:t>
-            </a:r>
-          </a:p>
-          <a:p>
-            <a:pPr marL="914400" marR="0" lvl="1" indent="-311150" algn="l" rtl="0">
-              <a:lnSpc>
-                <a:spcPct val="100000"/>
-              </a:lnSpc>
-              <a:spcBef>
-                <a:spcPts val="480"/>
-              </a:spcBef>
-              <a:spcAft>
-                <a:spcPts val="0"/>
-              </a:spcAft>
-              <a:buSzPct val="100000"/>
-            </a:pPr>
-            <a:r>
-              <a:rPr lang="es" sz="1300"/>
-              <a:t>Utilizar base.setUno(uno) para que “base” tenga visibilidad sobre “uno”.</a:t>
-            </a:r>
-          </a:p>
-          <a:p>
-            <a:pPr marL="914400" marR="0" lvl="1" indent="-311150" algn="l" rtl="0">
-              <a:lnSpc>
-                <a:spcPct val="100000"/>
-              </a:lnSpc>
-              <a:spcBef>
-                <a:spcPts val="480"/>
-              </a:spcBef>
-              <a:spcAft>
-                <a:spcPts val="0"/>
-              </a:spcAft>
-              <a:buSzPct val="100000"/>
-            </a:pPr>
-            <a:r>
-              <a:rPr lang="es" sz="1300"/>
-              <a:t>Utilizar uno.setBase(base) para que “uno” tenga visibilidad sobre “base”</a:t>
-            </a:r>
-          </a:p>
-          <a:p>
-            <a:pPr marL="914400" marR="0" lvl="1" indent="-311150" algn="l" rtl="0">
-              <a:lnSpc>
-                <a:spcPct val="100000"/>
-              </a:lnSpc>
-              <a:spcBef>
-                <a:spcPts val="480"/>
-              </a:spcBef>
-              <a:spcAft>
-                <a:spcPts val="0"/>
-              </a:spcAft>
-              <a:buSzPct val="100000"/>
-            </a:pPr>
-            <a:r>
-              <a:rPr lang="es" sz="1300"/>
-              <a:t>Persistirlo con “</a:t>
-            </a:r>
-            <a:r>
-              <a:rPr lang="es" sz="1300" b="1" u="sng">
-                <a:solidFill>
-                  <a:schemeClr val="hlink"/>
-                </a:solidFill>
-                <a:hlinkClick r:id="rId3"/>
-              </a:rPr>
-              <a:t>persist</a:t>
-            </a:r>
-            <a:r>
-              <a:rPr lang="es" sz="1300"/>
-              <a:t>(base)”.</a:t>
-            </a:r>
-          </a:p>
-          <a:p>
-            <a:pPr marL="457200" marR="0" lvl="0" indent="-317500" algn="l" rtl="0">
-              <a:lnSpc>
-                <a:spcPct val="100000"/>
-              </a:lnSpc>
-              <a:spcBef>
-                <a:spcPts val="480"/>
-              </a:spcBef>
-              <a:spcAft>
-                <a:spcPts val="0"/>
-              </a:spcAft>
-              <a:buSzPct val="100000"/>
-            </a:pPr>
-            <a:r>
-              <a:rPr lang="es" sz="1400"/>
-              <a:t>El atributo “cascade” de las anotaciones gestiona el nivel de dependencia de un objeto respecto a otro.</a:t>
-            </a:r>
-          </a:p>
-          <a:p>
-            <a:pPr marL="914400" marR="0" lvl="1" indent="-311150" algn="l" rtl="0">
-              <a:lnSpc>
-                <a:spcPct val="100000"/>
-              </a:lnSpc>
-              <a:spcBef>
-                <a:spcPts val="480"/>
-              </a:spcBef>
-              <a:spcAft>
-                <a:spcPts val="0"/>
-              </a:spcAft>
-              <a:buSzPct val="100000"/>
-            </a:pPr>
-            <a:r>
-              <a:rPr lang="es" sz="1300"/>
-              <a:t>En este ejemplo, si cualquiera de los dos se crea o se borra, se creará o desaparecerá su “compañero”.</a:t>
-            </a:r>
-          </a:p>
-          <a:p>
-            <a:pPr marL="914400" marR="0" lvl="1" indent="-311150" algn="l" rtl="0">
-              <a:lnSpc>
-                <a:spcPct val="100000"/>
-              </a:lnSpc>
-              <a:spcBef>
-                <a:spcPts val="480"/>
-              </a:spcBef>
-              <a:spcAft>
-                <a:spcPts val="0"/>
-              </a:spcAft>
-              <a:buSzPct val="100000"/>
-            </a:pPr>
-            <a:r>
-              <a:rPr lang="es" sz="1300"/>
-              <a:t>Si quisiéramos que los POJO’s fueran independientes, no indicaremos ningún atributo cascade, y tendremos que establecer las relaciones atómicamente.</a:t>
+              <a:t>orphanRemoval=true</a:t>
             </a:r>
           </a:p>
         </p:txBody>
@@ -8164,7 +8858,7 @@
   <p:cSld>
     <p:spTree>
       <p:nvGrpSpPr>
-        <p:cNvPr id="1" name="Shape 187"/>
+        <p:cNvPr id="1" name="Shape 192"/>
         <p:cNvGrpSpPr/>
         <p:nvPr/>
       </p:nvGrpSpPr>
@@ -8178,7 +8872,7 @@
       </p:grpSpPr>
       <p:sp>
         <p:nvSpPr>
-          <p:cNvPr id="188" name="Shape 188"/>
+          <p:cNvPr id="193" name="Shape 193"/>
           <p:cNvSpPr txBox="1">
             <a:spLocks noGrp="1"/>
           </p:cNvSpPr>
@@ -8209,14 +8903,14 @@
             </a:pPr>
             <a:r>
               <a:rPr lang="es"/>
-              <a:t>Relaciones uno a muchos</a:t>
+              <a:t>Modos de materialización</a:t>
             </a:r>
           </a:p>
         </p:txBody>
       </p:sp>
       <p:sp>
         <p:nvSpPr>
-          <p:cNvPr id="189" name="Shape 189"/>
+          <p:cNvPr id="194" name="Shape 194"/>
           <p:cNvSpPr txBox="1">
             <a:spLocks noGrp="1"/>
           </p:cNvSpPr>
@@ -8227,7 +8921,7 @@
         <p:spPr>
           <a:xfrm>
             <a:off x="457200" y="1200150"/>
-            <a:ext cx="8229600" cy="1019100"/>
+            <a:ext cx="8229600" cy="3725699"/>
           </a:xfrm>
           <a:prstGeom prst="rect">
             <a:avLst/>
@@ -8239,315 +8933,60 @@
           </a:bodyPr>
           <a:lstStyle/>
           <a:p>
-            <a:pPr marL="457200" lvl="0" indent="-317500" rtl="0">
+            <a:pPr marL="457200" lvl="0" indent="-228600" rtl="0">
+              <a:spcBef>
+                <a:spcPts val="0"/>
+              </a:spcBef>
+            </a:pPr>
+            <a:r>
+              <a:rPr lang="es"/>
+              <a:t>En cada POJO se puede indicar el modo de materialización, que indica cúando “subirán” a memoria los POJO’s dependientes cuando se realice una consulta</a:t>
+            </a:r>
+          </a:p>
+          <a:p>
+            <a:pPr marL="914400" lvl="1" indent="-228600" rtl="0">
+              <a:spcBef>
+                <a:spcPts val="0"/>
+              </a:spcBef>
+            </a:pPr>
+            <a:r>
+              <a:rPr lang="es"/>
+              <a:t>Ansiosa: fetch=FetchType.EAGER</a:t>
+            </a:r>
+          </a:p>
+          <a:p>
+            <a:pPr marL="1371600" lvl="2" indent="-342900" rtl="0">
               <a:spcBef>
                 <a:spcPts val="0"/>
               </a:spcBef>
               <a:buSzPct val="100000"/>
             </a:pPr>
             <a:r>
-              <a:rPr lang="es" sz="1400"/>
-              <a:t>Similares a las “uno a uno”.</a:t>
-            </a:r>
-          </a:p>
-          <a:p>
-            <a:pPr marL="457200" lvl="0" indent="-317500" rtl="0">
+              <a:rPr lang="es" sz="1800"/>
+              <a:t>Los POJO’s dependientes subirán inmediatamente a memoria.</a:t>
+            </a:r>
+          </a:p>
+          <a:p>
+            <a:pPr marL="914400" lvl="1" indent="-228600" rtl="0">
+              <a:spcBef>
+                <a:spcPts val="0"/>
+              </a:spcBef>
+            </a:pPr>
+            <a:r>
+              <a:rPr lang="es"/>
+              <a:t>Perezosa: fetch=FetchType.LAZY</a:t>
+            </a:r>
+          </a:p>
+          <a:p>
+            <a:pPr marL="1371600" lvl="2" indent="-342900">
               <a:spcBef>
                 <a:spcPts val="0"/>
               </a:spcBef>
               <a:buSzPct val="100000"/>
             </a:pPr>
             <a:r>
-              <a:rPr lang="es" sz="1400"/>
-              <a:t>La única diferencia sustancial es que en el lado “muchos”, hibernate debe saber, cuál es el nombre del atributo relacionado del lado uno, usando la el atributo “mappedBy”, así:</a:t>
-            </a:r>
-          </a:p>
-          <a:p>
-            <a:pPr marL="457200" lvl="0" indent="-317500">
-              <a:spcBef>
-                <a:spcPts val="0"/>
-              </a:spcBef>
-              <a:buSzPct val="100000"/>
-            </a:pPr>
-            <a:r>
-              <a:rPr lang="es" sz="1400"/>
-              <a:t>El resto de anotaciones y su significado son las mismas que las estudiadas en las relaciones OneToOne</a:t>
-            </a:r>
-          </a:p>
-        </p:txBody>
-      </p:sp>
-      <p:sp>
-        <p:nvSpPr>
-          <p:cNvPr id="190" name="Shape 190"/>
-          <p:cNvSpPr txBox="1"/>
-          <p:nvPr/>
-        </p:nvSpPr>
-        <p:spPr>
-          <a:xfrm>
-            <a:off x="4743775" y="3018075"/>
-            <a:ext cx="3670800" cy="1882800"/>
-          </a:xfrm>
-          <a:prstGeom prst="rect">
-            <a:avLst/>
-          </a:prstGeom>
-          <a:noFill/>
-          <a:ln w="9525" cap="flat" cmpd="sng">
-            <a:solidFill>
-              <a:srgbClr val="980000"/>
-            </a:solidFill>
-            <a:prstDash val="solid"/>
-            <a:round/>
-            <a:headEnd type="none" w="med" len="med"/>
-            <a:tailEnd type="none" w="med" len="med"/>
-          </a:ln>
-        </p:spPr>
-        <p:txBody>
-          <a:bodyPr lIns="91425" tIns="91425" rIns="91425" bIns="91425" anchor="t" anchorCtr="0">
-            <a:noAutofit/>
-          </a:bodyPr>
-          <a:lstStyle/>
-          <a:p>
-            <a:pPr lvl="0" rtl="0">
-              <a:spcBef>
-                <a:spcPts val="0"/>
-              </a:spcBef>
-              <a:buNone/>
-            </a:pPr>
-            <a:r>
-              <a:rPr lang="es"/>
-              <a:t>public class UaM {</a:t>
-            </a:r>
-          </a:p>
-          <a:p>
-            <a:pPr lvl="0" rtl="0">
-              <a:spcBef>
-                <a:spcPts val="0"/>
-              </a:spcBef>
-              <a:buNone/>
-            </a:pPr>
-            <a:r>
-              <a:rPr lang="es"/>
-              <a:t>	private Collection&lt;M&gt; ms;</a:t>
-            </a:r>
-          </a:p>
-          <a:p>
-            <a:pPr lvl="0" rtl="0">
-              <a:spcBef>
-                <a:spcPts val="0"/>
-              </a:spcBef>
-              <a:buNone/>
-            </a:pPr>
-            <a:r>
-              <a:rPr lang="es"/>
-              <a:t>	...</a:t>
-            </a:r>
-          </a:p>
-          <a:p>
-            <a:pPr lvl="0" rtl="0">
-              <a:spcBef>
-                <a:spcPts val="0"/>
-              </a:spcBef>
-              <a:buNone/>
-            </a:pPr>
-            <a:r>
-              <a:rPr lang="es"/>
-              <a:t>	</a:t>
-            </a:r>
-            <a:r>
-              <a:rPr lang="es">
-                <a:solidFill>
-                  <a:srgbClr val="0000FF"/>
-                </a:solidFill>
-              </a:rPr>
-              <a:t>@OneToMany</a:t>
-            </a:r>
-            <a:r>
-              <a:rPr lang="es"/>
-              <a:t>(mappedBy=”u”)</a:t>
-            </a:r>
-          </a:p>
-          <a:p>
-            <a:pPr lvl="0" rtl="0">
-              <a:spcBef>
-                <a:spcPts val="0"/>
-              </a:spcBef>
-              <a:buNone/>
-            </a:pPr>
-            <a:r>
-              <a:rPr lang="es"/>
-              <a:t>	public Collection&lt;M&gt; getMs() {</a:t>
-            </a:r>
-          </a:p>
-          <a:p>
-            <a:pPr lvl="0" rtl="0">
-              <a:spcBef>
-                <a:spcPts val="0"/>
-              </a:spcBef>
-              <a:buNone/>
-            </a:pPr>
-            <a:r>
-              <a:rPr lang="es"/>
-              <a:t>	}</a:t>
-            </a:r>
-          </a:p>
-          <a:p>
-            <a:pPr lvl="0" rtl="0">
-              <a:spcBef>
-                <a:spcPts val="0"/>
-              </a:spcBef>
-              <a:buNone/>
-            </a:pPr>
-            <a:r>
-              <a:rPr lang="es"/>
-              <a:t>	...</a:t>
-            </a:r>
-          </a:p>
-          <a:p>
-            <a:pPr lvl="0">
-              <a:spcBef>
-                <a:spcPts val="0"/>
-              </a:spcBef>
-              <a:buNone/>
-            </a:pPr>
-            <a:r>
-              <a:rPr lang="es"/>
-              <a:t>}</a:t>
-            </a:r>
-          </a:p>
-        </p:txBody>
-      </p:sp>
-      <p:sp>
-        <p:nvSpPr>
-          <p:cNvPr id="191" name="Shape 191"/>
-          <p:cNvSpPr txBox="1"/>
-          <p:nvPr/>
-        </p:nvSpPr>
-        <p:spPr>
-          <a:xfrm>
-            <a:off x="746800" y="3018075"/>
-            <a:ext cx="3670800" cy="1882800"/>
-          </a:xfrm>
-          <a:prstGeom prst="rect">
-            <a:avLst/>
-          </a:prstGeom>
-          <a:noFill/>
-          <a:ln w="9525" cap="flat" cmpd="sng">
-            <a:solidFill>
-              <a:srgbClr val="980000"/>
-            </a:solidFill>
-            <a:prstDash val="solid"/>
-            <a:round/>
-            <a:headEnd type="none" w="med" len="med"/>
-            <a:tailEnd type="none" w="med" len="med"/>
-          </a:ln>
-        </p:spPr>
-        <p:txBody>
-          <a:bodyPr lIns="91425" tIns="91425" rIns="91425" bIns="91425" anchor="t" anchorCtr="0">
-            <a:noAutofit/>
-          </a:bodyPr>
-          <a:lstStyle/>
-          <a:p>
-            <a:pPr lvl="0" rtl="0">
-              <a:spcBef>
-                <a:spcPts val="0"/>
-              </a:spcBef>
-              <a:buNone/>
-            </a:pPr>
-            <a:r>
-              <a:rPr lang="es"/>
-              <a:t>public class MaU {</a:t>
-            </a:r>
-          </a:p>
-          <a:p>
-            <a:pPr lvl="0" rtl="0">
-              <a:spcBef>
-                <a:spcPts val="0"/>
-              </a:spcBef>
-              <a:buNone/>
-            </a:pPr>
-            <a:r>
-              <a:rPr lang="es"/>
-              <a:t>	private U u;</a:t>
-            </a:r>
-          </a:p>
-          <a:p>
-            <a:pPr lvl="0" rtl="0">
-              <a:spcBef>
-                <a:spcPts val="0"/>
-              </a:spcBef>
-              <a:buNone/>
-            </a:pPr>
-            <a:r>
-              <a:rPr lang="es"/>
-              <a:t>	...</a:t>
-            </a:r>
-          </a:p>
-          <a:p>
-            <a:pPr lvl="0" rtl="0">
-              <a:spcBef>
-                <a:spcPts val="0"/>
-              </a:spcBef>
-              <a:buNone/>
-            </a:pPr>
-            <a:r>
-              <a:rPr lang="es"/>
-              <a:t>	</a:t>
-            </a:r>
-            <a:r>
-              <a:rPr lang="es">
-                <a:solidFill>
-                  <a:srgbClr val="0000FF"/>
-                </a:solidFill>
-              </a:rPr>
-              <a:t>@ManyToOne</a:t>
-            </a:r>
-          </a:p>
-          <a:p>
-            <a:pPr lvl="0" rtl="0">
-              <a:spcBef>
-                <a:spcPts val="0"/>
-              </a:spcBef>
-              <a:buNone/>
-            </a:pPr>
-            <a:r>
-              <a:rPr lang="es"/>
-              <a:t>	public U getU() {</a:t>
-            </a:r>
-          </a:p>
-          <a:p>
-            <a:pPr lvl="0" rtl="0">
-              <a:spcBef>
-                <a:spcPts val="0"/>
-              </a:spcBef>
-              <a:buNone/>
-            </a:pPr>
-            <a:r>
-              <a:rPr lang="es"/>
-              <a:t>	}</a:t>
-            </a:r>
-          </a:p>
-          <a:p>
-            <a:pPr lvl="0" rtl="0">
-              <a:spcBef>
-                <a:spcPts val="0"/>
-              </a:spcBef>
-              <a:buNone/>
-            </a:pPr>
-            <a:r>
-              <a:rPr lang="es"/>
-              <a:t>	...</a:t>
-            </a:r>
-          </a:p>
-          <a:p>
-            <a:pPr lvl="0" rtl="0">
-              <a:spcBef>
-                <a:spcPts val="0"/>
-              </a:spcBef>
-              <a:buNone/>
-            </a:pPr>
-            <a:r>
-              <a:rPr lang="es"/>
-              <a:t>}</a:t>
+              <a:rPr lang="es" sz="1800"/>
+              <a:t>Los POJO’s dependientes subirán a memoria cuando se acceda a ellos.</a:t>
             </a:r>
           </a:p>
         </p:txBody>
@@ -8643,116 +9082,59 @@
           </a:bodyPr>
           <a:lstStyle/>
           <a:p>
-            <a:pPr marL="457200" lvl="0" indent="-457200">
-              <a:spcBef>
-                <a:spcPts val="0"/>
-              </a:spcBef>
-              <a:buFont typeface="Arial" pitchFamily="34" charset="0"/>
-              <a:buChar char="•"/>
-            </a:pPr>
-            <a:r>
-              <a:rPr lang="es-ES" dirty="0" smtClean="0">
-                <a:solidFill>
-                  <a:schemeClr val="tx1">
-                    <a:lumMod val="50000"/>
-                  </a:schemeClr>
-                </a:solidFill>
-              </a:rPr>
+            <a:pPr marL="457200" lvl="0" indent="-228600" rtl="0">
+              <a:spcBef>
+                <a:spcPts val="0"/>
+              </a:spcBef>
+            </a:pPr>
+            <a:r>
+              <a:rPr lang="es"/>
               <a:t>Instalación</a:t>
             </a:r>
           </a:p>
           <a:p>
-            <a:pPr marL="457200" lvl="0" indent="-457200">
-              <a:spcBef>
-                <a:spcPts val="0"/>
-              </a:spcBef>
-              <a:buFont typeface="Arial" pitchFamily="34" charset="0"/>
-              <a:buChar char="•"/>
-            </a:pPr>
-            <a:r>
-              <a:rPr lang="es-ES" dirty="0" smtClean="0">
-                <a:solidFill>
-                  <a:schemeClr val="tx1">
-                    <a:lumMod val="50000"/>
-                  </a:schemeClr>
-                </a:solidFill>
-              </a:rPr>
+            <a:pPr marL="457200" lvl="0" indent="-228600" rtl="0">
+              <a:spcBef>
+                <a:spcPts val="0"/>
+              </a:spcBef>
+            </a:pPr>
+            <a:r>
+              <a:rPr lang="es"/>
               <a:t>Configuración</a:t>
             </a:r>
           </a:p>
           <a:p>
-            <a:pPr marL="457200" lvl="0" indent="-457200">
-              <a:spcBef>
-                <a:spcPts val="0"/>
-              </a:spcBef>
-              <a:buFont typeface="Arial" pitchFamily="34" charset="0"/>
-              <a:buChar char="•"/>
-            </a:pPr>
-            <a:r>
-              <a:rPr lang="es-ES" dirty="0" smtClean="0">
-                <a:solidFill>
-                  <a:schemeClr val="tx1">
-                    <a:lumMod val="50000"/>
-                  </a:schemeClr>
-                </a:solidFill>
-              </a:rPr>
+            <a:pPr marL="457200" lvl="0" indent="-228600" rtl="0">
+              <a:spcBef>
+                <a:spcPts val="0"/>
+              </a:spcBef>
+            </a:pPr>
+            <a:r>
+              <a:rPr lang="es"/>
               <a:t>Concepto de POJO</a:t>
             </a:r>
           </a:p>
           <a:p>
-            <a:pPr marL="457200" lvl="0" indent="-457200">
-              <a:spcBef>
-                <a:spcPts val="0"/>
-              </a:spcBef>
-              <a:buFont typeface="Arial" pitchFamily="34" charset="0"/>
-              <a:buChar char="•"/>
-            </a:pPr>
-            <a:r>
-              <a:rPr lang="es-ES" dirty="0" smtClean="0">
-                <a:solidFill>
-                  <a:schemeClr val="tx1">
-                    <a:lumMod val="50000"/>
-                  </a:schemeClr>
-                </a:solidFill>
-              </a:rPr>
+            <a:pPr marL="457200" lvl="0" indent="-228600" rtl="0">
+              <a:spcBef>
+                <a:spcPts val="0"/>
+              </a:spcBef>
+            </a:pPr>
+            <a:r>
+              <a:rPr lang="es"/>
               <a:t>Acciones CRUD sobre POJO</a:t>
             </a:r>
           </a:p>
           <a:p>
-            <a:pPr marL="457200" lvl="0" indent="-457200">
-              <a:spcBef>
-                <a:spcPts val="0"/>
-              </a:spcBef>
-              <a:buFont typeface="Arial" pitchFamily="34" charset="0"/>
-              <a:buChar char="•"/>
-            </a:pPr>
-            <a:r>
-              <a:rPr lang="es-ES" dirty="0" smtClean="0">
-                <a:solidFill>
-                  <a:schemeClr val="tx1">
-                    <a:lumMod val="50000"/>
-                  </a:schemeClr>
-                </a:solidFill>
-              </a:rPr>
-              <a:t>Composición de </a:t>
-            </a:r>
-            <a:r>
-              <a:rPr lang="es-ES" dirty="0" err="1" smtClean="0">
-                <a:solidFill>
-                  <a:schemeClr val="tx1">
-                    <a:lumMod val="50000"/>
-                  </a:schemeClr>
-                </a:solidFill>
-              </a:rPr>
-              <a:t>POJO’s</a:t>
-            </a:r>
-            <a:endParaRPr lang="es-ES" dirty="0" smtClean="0">
-              <a:solidFill>
-                <a:schemeClr val="tx1">
-                  <a:lumMod val="50000"/>
-                </a:schemeClr>
-              </a:solidFill>
-            </a:endParaRPr>
+            <a:pPr marL="457200" lvl="0" indent="-228600">
+              <a:spcBef>
+                <a:spcPts val="0"/>
+              </a:spcBef>
+            </a:pPr>
+            <a:r>
+              <a:rPr lang="es"/>
+              <a:t>Composición de POJOs</a:t>
+            </a:r>
           </a:p>
         </p:txBody>
       </p:sp>
@@ -8772,7 +9154,7 @@
   <p:cSld>
     <p:spTree>
       <p:nvGrpSpPr>
-        <p:cNvPr id="1" name="Shape 195"/>
+        <p:cNvPr id="1" name="Shape 198"/>
         <p:cNvGrpSpPr/>
         <p:nvPr/>
       </p:nvGrpSpPr>
@@ -8786,7 +9168,7 @@
       </p:grpSpPr>
       <p:sp>
         <p:nvSpPr>
-          <p:cNvPr id="196" name="Shape 196"/>
+          <p:cNvPr id="199" name="Shape 199"/>
           <p:cNvSpPr txBox="1">
             <a:spLocks noGrp="1"/>
           </p:cNvSpPr>
@@ -8817,6 +9199,757 @@
             </a:pPr>
             <a:r>
               <a:rPr lang="es"/>
+              <a:t>Relaciones uno a uno</a:t>
+            </a:r>
+          </a:p>
+        </p:txBody>
+      </p:sp>
+      <p:sp>
+        <p:nvSpPr>
+          <p:cNvPr id="200" name="Shape 200"/>
+          <p:cNvSpPr txBox="1">
+            <a:spLocks noGrp="1"/>
+          </p:cNvSpPr>
+          <p:nvPr>
+            <p:ph type="body" idx="1"/>
+          </p:nvPr>
+        </p:nvSpPr>
+        <p:spPr>
+          <a:xfrm>
+            <a:off x="389175" y="1200150"/>
+            <a:ext cx="8372699" cy="3838199"/>
+          </a:xfrm>
+          <a:prstGeom prst="rect">
+            <a:avLst/>
+          </a:prstGeom>
+        </p:spPr>
+        <p:txBody>
+          <a:bodyPr lIns="91425" tIns="91425" rIns="91425" bIns="91425" anchor="t" anchorCtr="0">
+            <a:noAutofit/>
+          </a:bodyPr>
+          <a:lstStyle/>
+          <a:p>
+            <a:pPr marL="457200" lvl="0" indent="-317500" rtl="0">
+              <a:spcBef>
+                <a:spcPts val="0"/>
+              </a:spcBef>
+              <a:buSzPct val="100000"/>
+            </a:pPr>
+            <a:r>
+              <a:rPr lang="es" sz="1400"/>
+              <a:t>Sean dos clases: “Base” y “Uno”. Para establecer una relación persistente entre ambos deberemos:</a:t>
+            </a:r>
+          </a:p>
+          <a:p>
+            <a:pPr marL="914400" lvl="1" indent="-311150" rtl="0">
+              <a:spcBef>
+                <a:spcPts val="0"/>
+              </a:spcBef>
+              <a:buSzPct val="100000"/>
+            </a:pPr>
+            <a:r>
+              <a:rPr lang="es" sz="1300"/>
+              <a:t>Añadir a “Base” un atributo “Uno uno”.</a:t>
+            </a:r>
+          </a:p>
+          <a:p>
+            <a:pPr marL="914400" lvl="1" indent="-311150" rtl="0">
+              <a:spcBef>
+                <a:spcPts val="0"/>
+              </a:spcBef>
+              <a:buSzPct val="100000"/>
+            </a:pPr>
+            <a:r>
+              <a:rPr lang="es" sz="1300"/>
+              <a:t>Anotar getUno() por ejemplo, con </a:t>
+            </a:r>
+          </a:p>
+          <a:p>
+            <a:pPr marL="1371600" lvl="2" indent="-311150" rtl="0">
+              <a:spcBef>
+                <a:spcPts val="0"/>
+              </a:spcBef>
+              <a:buClr>
+                <a:srgbClr val="0000FF"/>
+              </a:buClr>
+              <a:buSzPct val="100000"/>
+            </a:pPr>
+            <a:r>
+              <a:rPr lang="es" sz="1300">
+                <a:solidFill>
+                  <a:srgbClr val="0000FF"/>
+                </a:solidFill>
+              </a:rPr>
+              <a:t>@OneToOne(cascade = {CascadeType.ALL}, fetch=FetchType.LAZY)</a:t>
+            </a:r>
+          </a:p>
+          <a:p>
+            <a:pPr marL="914400" marR="0" lvl="1" indent="-311150" algn="l" rtl="0">
+              <a:lnSpc>
+                <a:spcPct val="100000"/>
+              </a:lnSpc>
+              <a:spcBef>
+                <a:spcPts val="480"/>
+              </a:spcBef>
+              <a:spcAft>
+                <a:spcPts val="0"/>
+              </a:spcAft>
+              <a:buSzPct val="100000"/>
+            </a:pPr>
+            <a:r>
+              <a:rPr lang="es" sz="1300"/>
+              <a:t>Añadir a “Uno” un atributo “Base base”</a:t>
+            </a:r>
+          </a:p>
+          <a:p>
+            <a:pPr marL="914400" marR="0" lvl="1" indent="-311150" algn="l" rtl="0">
+              <a:lnSpc>
+                <a:spcPct val="100000"/>
+              </a:lnSpc>
+              <a:spcBef>
+                <a:spcPts val="480"/>
+              </a:spcBef>
+              <a:spcAft>
+                <a:spcPts val="0"/>
+              </a:spcAft>
+              <a:buSzPct val="100000"/>
+            </a:pPr>
+            <a:r>
+              <a:rPr lang="es" sz="1300"/>
+              <a:t>Anotar getBase() por ejemplo, con</a:t>
+            </a:r>
+          </a:p>
+          <a:p>
+            <a:pPr marL="1371600" marR="0" lvl="2" indent="-311150" algn="l" rtl="0">
+              <a:lnSpc>
+                <a:spcPct val="100000"/>
+              </a:lnSpc>
+              <a:spcBef>
+                <a:spcPts val="480"/>
+              </a:spcBef>
+              <a:spcAft>
+                <a:spcPts val="0"/>
+              </a:spcAft>
+              <a:buClr>
+                <a:srgbClr val="0000FF"/>
+              </a:buClr>
+              <a:buSzPct val="100000"/>
+            </a:pPr>
+            <a:r>
+              <a:rPr lang="es" sz="1300">
+                <a:solidFill>
+                  <a:srgbClr val="0000FF"/>
+                </a:solidFill>
+              </a:rPr>
+              <a:t>@OneToOne(cascade = {CascadeType.ALL}, fetch=FetchType.LAZY)</a:t>
+            </a:r>
+          </a:p>
+          <a:p>
+            <a:pPr marL="914400" marR="0" lvl="1" indent="-311150" algn="l" rtl="0">
+              <a:lnSpc>
+                <a:spcPct val="100000"/>
+              </a:lnSpc>
+              <a:spcBef>
+                <a:spcPts val="480"/>
+              </a:spcBef>
+              <a:spcAft>
+                <a:spcPts val="0"/>
+              </a:spcAft>
+              <a:buSzPct val="100000"/>
+            </a:pPr>
+            <a:r>
+              <a:rPr lang="es" sz="1300"/>
+              <a:t>Crear un objeto “uno” de clase “Uno” y un objeto “base” de clase “Base”</a:t>
+            </a:r>
+          </a:p>
+          <a:p>
+            <a:pPr marL="914400" marR="0" lvl="1" indent="-311150" algn="l" rtl="0">
+              <a:lnSpc>
+                <a:spcPct val="100000"/>
+              </a:lnSpc>
+              <a:spcBef>
+                <a:spcPts val="480"/>
+              </a:spcBef>
+              <a:spcAft>
+                <a:spcPts val="0"/>
+              </a:spcAft>
+              <a:buSzPct val="100000"/>
+            </a:pPr>
+            <a:r>
+              <a:rPr lang="es" sz="1300"/>
+              <a:t>Utilizar base.setUno(uno) para que “base” tenga visibilidad sobre “uno”.</a:t>
+            </a:r>
+          </a:p>
+          <a:p>
+            <a:pPr marL="914400" marR="0" lvl="1" indent="-311150" algn="l" rtl="0">
+              <a:lnSpc>
+                <a:spcPct val="100000"/>
+              </a:lnSpc>
+              <a:spcBef>
+                <a:spcPts val="480"/>
+              </a:spcBef>
+              <a:spcAft>
+                <a:spcPts val="0"/>
+              </a:spcAft>
+              <a:buSzPct val="100000"/>
+            </a:pPr>
+            <a:r>
+              <a:rPr lang="es" sz="1300"/>
+              <a:t>Utilizar uno.setBase(base) para que “uno” tenga visibilidad sobre “base”</a:t>
+            </a:r>
+          </a:p>
+          <a:p>
+            <a:pPr marL="914400" marR="0" lvl="1" indent="-311150" algn="l" rtl="0">
+              <a:lnSpc>
+                <a:spcPct val="100000"/>
+              </a:lnSpc>
+              <a:spcBef>
+                <a:spcPts val="480"/>
+              </a:spcBef>
+              <a:spcAft>
+                <a:spcPts val="0"/>
+              </a:spcAft>
+              <a:buSzPct val="100000"/>
+            </a:pPr>
+            <a:r>
+              <a:rPr lang="es" sz="1300"/>
+              <a:t>Persistirlo con “</a:t>
+            </a:r>
+            <a:r>
+              <a:rPr lang="es" sz="1300" b="1" u="sng">
+                <a:solidFill>
+                  <a:schemeClr val="hlink"/>
+                </a:solidFill>
+                <a:hlinkClick r:id="rId3"/>
+              </a:rPr>
+              <a:t>persist</a:t>
+            </a:r>
+            <a:r>
+              <a:rPr lang="es" sz="1300"/>
+              <a:t>(base)”.</a:t>
+            </a:r>
+          </a:p>
+          <a:p>
+            <a:pPr marL="457200" marR="0" lvl="0" indent="-317500" algn="l" rtl="0">
+              <a:lnSpc>
+                <a:spcPct val="100000"/>
+              </a:lnSpc>
+              <a:spcBef>
+                <a:spcPts val="480"/>
+              </a:spcBef>
+              <a:spcAft>
+                <a:spcPts val="0"/>
+              </a:spcAft>
+              <a:buSzPct val="100000"/>
+            </a:pPr>
+            <a:r>
+              <a:rPr lang="es" sz="1400"/>
+              <a:t>El atributo “cascade” de las anotaciones gestiona el nivel de dependencia de un objeto respecto a otro.</a:t>
+            </a:r>
+          </a:p>
+          <a:p>
+            <a:pPr marL="914400" marR="0" lvl="1" indent="-311150" algn="l" rtl="0">
+              <a:lnSpc>
+                <a:spcPct val="100000"/>
+              </a:lnSpc>
+              <a:spcBef>
+                <a:spcPts val="480"/>
+              </a:spcBef>
+              <a:spcAft>
+                <a:spcPts val="0"/>
+              </a:spcAft>
+              <a:buSzPct val="100000"/>
+            </a:pPr>
+            <a:r>
+              <a:rPr lang="es" sz="1300"/>
+              <a:t>En este ejemplo, si cualquiera de los dos se crea o se borra, se creará o desaparecerá su “compañero”.</a:t>
+            </a:r>
+          </a:p>
+          <a:p>
+            <a:pPr marL="914400" marR="0" lvl="1" indent="-311150" algn="l" rtl="0">
+              <a:lnSpc>
+                <a:spcPct val="100000"/>
+              </a:lnSpc>
+              <a:spcBef>
+                <a:spcPts val="480"/>
+              </a:spcBef>
+              <a:spcAft>
+                <a:spcPts val="0"/>
+              </a:spcAft>
+              <a:buSzPct val="100000"/>
+            </a:pPr>
+            <a:r>
+              <a:rPr lang="es" sz="1300"/>
+              <a:t>Si quisiéramos que los POJO’s fueran independientes, no indicaremos ningún atributo cascade, y tendremos que establecer las relaciones atómicamente.</a:t>
+            </a:r>
+          </a:p>
+        </p:txBody>
+      </p:sp>
+    </p:spTree>
+  </p:cSld>
+  <p:clrMapOvr>
+    <a:masterClrMapping/>
+  </p:clrMapOvr>
+  <p:transition spd="slow">
+    <p:cut/>
+  </p:transition>
+</p:sld>
+</file>
+
+<file path=ppt/slides/slide21.xml><?xml version="1.0" encoding="utf-8"?>
+<p:sld xmlns:a="http://schemas.openxmlformats.org/drawingml/2006/main" xmlns:r="http://schemas.openxmlformats.org/officeDocument/2006/relationships" xmlns:p="http://schemas.openxmlformats.org/presentationml/2006/main">
+  <p:cSld>
+    <p:spTree>
+      <p:nvGrpSpPr>
+        <p:cNvPr id="1" name="Shape 204"/>
+        <p:cNvGrpSpPr/>
+        <p:nvPr/>
+      </p:nvGrpSpPr>
+      <p:grpSpPr>
+        <a:xfrm>
+          <a:off x="0" y="0"/>
+          <a:ext cx="0" cy="0"/>
+          <a:chOff x="0" y="0"/>
+          <a:chExt cx="0" cy="0"/>
+        </a:xfrm>
+      </p:grpSpPr>
+      <p:sp>
+        <p:nvSpPr>
+          <p:cNvPr id="205" name="Shape 205"/>
+          <p:cNvSpPr txBox="1">
+            <a:spLocks noGrp="1"/>
+          </p:cNvSpPr>
+          <p:nvPr>
+            <p:ph type="title"/>
+          </p:nvPr>
+        </p:nvSpPr>
+        <p:spPr>
+          <a:xfrm>
+            <a:off x="457200" y="139527"/>
+            <a:ext cx="8229600" cy="857400"/>
+          </a:xfrm>
+          <a:prstGeom prst="rect">
+            <a:avLst/>
+          </a:prstGeom>
+        </p:spPr>
+        <p:txBody>
+          <a:bodyPr lIns="91425" tIns="91425" rIns="91425" bIns="91425" anchor="b" anchorCtr="0">
+            <a:noAutofit/>
+          </a:bodyPr>
+          <a:lstStyle/>
+          <a:p>
+            <a:pPr lvl="0">
+              <a:spcBef>
+                <a:spcPts val="0"/>
+              </a:spcBef>
+              <a:buNone/>
+            </a:pPr>
+            <a:r>
+              <a:rPr lang="es"/>
+              <a:t>Relaciones uno a muchos</a:t>
+            </a:r>
+          </a:p>
+        </p:txBody>
+      </p:sp>
+      <p:sp>
+        <p:nvSpPr>
+          <p:cNvPr id="206" name="Shape 206"/>
+          <p:cNvSpPr txBox="1">
+            <a:spLocks noGrp="1"/>
+          </p:cNvSpPr>
+          <p:nvPr>
+            <p:ph type="body" idx="1"/>
+          </p:nvPr>
+        </p:nvSpPr>
+        <p:spPr>
+          <a:xfrm>
+            <a:off x="457200" y="1200150"/>
+            <a:ext cx="8229600" cy="1019100"/>
+          </a:xfrm>
+          <a:prstGeom prst="rect">
+            <a:avLst/>
+          </a:prstGeom>
+        </p:spPr>
+        <p:txBody>
+          <a:bodyPr lIns="91425" tIns="91425" rIns="91425" bIns="91425" anchor="t" anchorCtr="0">
+            <a:noAutofit/>
+          </a:bodyPr>
+          <a:lstStyle/>
+          <a:p>
+            <a:pPr marL="457200" lvl="0" indent="-317500" rtl="0">
+              <a:spcBef>
+                <a:spcPts val="0"/>
+              </a:spcBef>
+              <a:buSzPct val="100000"/>
+            </a:pPr>
+            <a:r>
+              <a:rPr lang="es" sz="1400"/>
+              <a:t>Similares a las “uno a uno”.</a:t>
+            </a:r>
+          </a:p>
+          <a:p>
+            <a:pPr marL="457200" lvl="0" indent="-317500" rtl="0">
+              <a:spcBef>
+                <a:spcPts val="0"/>
+              </a:spcBef>
+              <a:buSzPct val="100000"/>
+            </a:pPr>
+            <a:r>
+              <a:rPr lang="es" sz="1400"/>
+              <a:t>La única diferencia sustancial es que en el lado “muchos”, hibernate debe saber, cuál es el nombre del atributo relacionado del lado uno, usando la el atributo “mappedBy”, así:</a:t>
+            </a:r>
+          </a:p>
+          <a:p>
+            <a:pPr marL="457200" lvl="0" indent="-317500">
+              <a:spcBef>
+                <a:spcPts val="0"/>
+              </a:spcBef>
+              <a:buSzPct val="100000"/>
+            </a:pPr>
+            <a:r>
+              <a:rPr lang="es" sz="1400"/>
+              <a:t>El resto de anotaciones y su significado son las mismas que las estudiadas en las relaciones OneToOne</a:t>
+            </a:r>
+          </a:p>
+        </p:txBody>
+      </p:sp>
+      <p:sp>
+        <p:nvSpPr>
+          <p:cNvPr id="207" name="Shape 207"/>
+          <p:cNvSpPr txBox="1"/>
+          <p:nvPr/>
+        </p:nvSpPr>
+        <p:spPr>
+          <a:xfrm>
+            <a:off x="4743775" y="3018075"/>
+            <a:ext cx="3670800" cy="1882800"/>
+          </a:xfrm>
+          <a:prstGeom prst="rect">
+            <a:avLst/>
+          </a:prstGeom>
+          <a:noFill/>
+          <a:ln w="9525" cap="flat" cmpd="sng">
+            <a:solidFill>
+              <a:srgbClr val="980000"/>
+            </a:solidFill>
+            <a:prstDash val="solid"/>
+            <a:round/>
+            <a:headEnd type="none" w="med" len="med"/>
+            <a:tailEnd type="none" w="med" len="med"/>
+          </a:ln>
+        </p:spPr>
+        <p:txBody>
+          <a:bodyPr lIns="91425" tIns="91425" rIns="91425" bIns="91425" anchor="t" anchorCtr="0">
+            <a:noAutofit/>
+          </a:bodyPr>
+          <a:lstStyle/>
+          <a:p>
+            <a:pPr lvl="0" rtl="0">
+              <a:spcBef>
+                <a:spcPts val="0"/>
+              </a:spcBef>
+              <a:buNone/>
+            </a:pPr>
+            <a:r>
+              <a:rPr lang="es"/>
+              <a:t>public class UaM {</a:t>
+            </a:r>
+          </a:p>
+          <a:p>
+            <a:pPr lvl="0" rtl="0">
+              <a:spcBef>
+                <a:spcPts val="0"/>
+              </a:spcBef>
+              <a:buNone/>
+            </a:pPr>
+            <a:r>
+              <a:rPr lang="es"/>
+              <a:t>	private Collection&lt;M&gt; ms;</a:t>
+            </a:r>
+          </a:p>
+          <a:p>
+            <a:pPr lvl="0" rtl="0">
+              <a:spcBef>
+                <a:spcPts val="0"/>
+              </a:spcBef>
+              <a:buNone/>
+            </a:pPr>
+            <a:r>
+              <a:rPr lang="es"/>
+              <a:t>	...</a:t>
+            </a:r>
+          </a:p>
+          <a:p>
+            <a:pPr lvl="0" rtl="0">
+              <a:spcBef>
+                <a:spcPts val="0"/>
+              </a:spcBef>
+              <a:buNone/>
+            </a:pPr>
+            <a:r>
+              <a:rPr lang="es"/>
+              <a:t>	</a:t>
+            </a:r>
+            <a:r>
+              <a:rPr lang="es">
+                <a:solidFill>
+                  <a:srgbClr val="0000FF"/>
+                </a:solidFill>
+              </a:rPr>
+              <a:t>@OneToMany</a:t>
+            </a:r>
+            <a:r>
+              <a:rPr lang="es"/>
+              <a:t>(mappedBy=”u”)</a:t>
+            </a:r>
+          </a:p>
+          <a:p>
+            <a:pPr lvl="0" rtl="0">
+              <a:spcBef>
+                <a:spcPts val="0"/>
+              </a:spcBef>
+              <a:buNone/>
+            </a:pPr>
+            <a:r>
+              <a:rPr lang="es"/>
+              <a:t>	public Collection&lt;M&gt; getMs() {</a:t>
+            </a:r>
+          </a:p>
+          <a:p>
+            <a:pPr lvl="0" rtl="0">
+              <a:spcBef>
+                <a:spcPts val="0"/>
+              </a:spcBef>
+              <a:buNone/>
+            </a:pPr>
+            <a:r>
+              <a:rPr lang="es"/>
+              <a:t>	}</a:t>
+            </a:r>
+          </a:p>
+          <a:p>
+            <a:pPr lvl="0" rtl="0">
+              <a:spcBef>
+                <a:spcPts val="0"/>
+              </a:spcBef>
+              <a:buNone/>
+            </a:pPr>
+            <a:r>
+              <a:rPr lang="es"/>
+              <a:t>	...</a:t>
+            </a:r>
+          </a:p>
+          <a:p>
+            <a:pPr lvl="0">
+              <a:spcBef>
+                <a:spcPts val="0"/>
+              </a:spcBef>
+              <a:buNone/>
+            </a:pPr>
+            <a:r>
+              <a:rPr lang="es"/>
+              <a:t>}</a:t>
+            </a:r>
+          </a:p>
+        </p:txBody>
+      </p:sp>
+      <p:sp>
+        <p:nvSpPr>
+          <p:cNvPr id="208" name="Shape 208"/>
+          <p:cNvSpPr txBox="1"/>
+          <p:nvPr/>
+        </p:nvSpPr>
+        <p:spPr>
+          <a:xfrm>
+            <a:off x="746800" y="3018075"/>
+            <a:ext cx="3670800" cy="1882800"/>
+          </a:xfrm>
+          <a:prstGeom prst="rect">
+            <a:avLst/>
+          </a:prstGeom>
+          <a:noFill/>
+          <a:ln w="9525" cap="flat" cmpd="sng">
+            <a:solidFill>
+              <a:srgbClr val="980000"/>
+            </a:solidFill>
+            <a:prstDash val="solid"/>
+            <a:round/>
+            <a:headEnd type="none" w="med" len="med"/>
+            <a:tailEnd type="none" w="med" len="med"/>
+          </a:ln>
+        </p:spPr>
+        <p:txBody>
+          <a:bodyPr lIns="91425" tIns="91425" rIns="91425" bIns="91425" anchor="t" anchorCtr="0">
+            <a:noAutofit/>
+          </a:bodyPr>
+          <a:lstStyle/>
+          <a:p>
+            <a:pPr lvl="0" rtl="0">
+              <a:spcBef>
+                <a:spcPts val="0"/>
+              </a:spcBef>
+              <a:buNone/>
+            </a:pPr>
+            <a:r>
+              <a:rPr lang="es"/>
+              <a:t>public class MaU {</a:t>
+            </a:r>
+          </a:p>
+          <a:p>
+            <a:pPr lvl="0" rtl="0">
+              <a:spcBef>
+                <a:spcPts val="0"/>
+              </a:spcBef>
+              <a:buNone/>
+            </a:pPr>
+            <a:r>
+              <a:rPr lang="es"/>
+              <a:t>	private U u;</a:t>
+            </a:r>
+          </a:p>
+          <a:p>
+            <a:pPr lvl="0" rtl="0">
+              <a:spcBef>
+                <a:spcPts val="0"/>
+              </a:spcBef>
+              <a:buNone/>
+            </a:pPr>
+            <a:r>
+              <a:rPr lang="es"/>
+              <a:t>	...</a:t>
+            </a:r>
+          </a:p>
+          <a:p>
+            <a:pPr lvl="0" rtl="0">
+              <a:spcBef>
+                <a:spcPts val="0"/>
+              </a:spcBef>
+              <a:buNone/>
+            </a:pPr>
+            <a:r>
+              <a:rPr lang="es"/>
+              <a:t>	</a:t>
+            </a:r>
+            <a:r>
+              <a:rPr lang="es">
+                <a:solidFill>
+                  <a:srgbClr val="0000FF"/>
+                </a:solidFill>
+              </a:rPr>
+              <a:t>@ManyToOne</a:t>
+            </a:r>
+          </a:p>
+          <a:p>
+            <a:pPr lvl="0" rtl="0">
+              <a:spcBef>
+                <a:spcPts val="0"/>
+              </a:spcBef>
+              <a:buNone/>
+            </a:pPr>
+            <a:r>
+              <a:rPr lang="es"/>
+              <a:t>	public U getU() {</a:t>
+            </a:r>
+          </a:p>
+          <a:p>
+            <a:pPr lvl="0" rtl="0">
+              <a:spcBef>
+                <a:spcPts val="0"/>
+              </a:spcBef>
+              <a:buNone/>
+            </a:pPr>
+            <a:r>
+              <a:rPr lang="es"/>
+              <a:t>	}</a:t>
+            </a:r>
+          </a:p>
+          <a:p>
+            <a:pPr lvl="0" rtl="0">
+              <a:spcBef>
+                <a:spcPts val="0"/>
+              </a:spcBef>
+              <a:buNone/>
+            </a:pPr>
+            <a:r>
+              <a:rPr lang="es"/>
+              <a:t>	...</a:t>
+            </a:r>
+          </a:p>
+          <a:p>
+            <a:pPr lvl="0" rtl="0">
+              <a:spcBef>
+                <a:spcPts val="0"/>
+              </a:spcBef>
+              <a:buNone/>
+            </a:pPr>
+            <a:r>
+              <a:rPr lang="es"/>
+              <a:t>}</a:t>
+            </a:r>
+          </a:p>
+        </p:txBody>
+      </p:sp>
+    </p:spTree>
+  </p:cSld>
+  <p:clrMapOvr>
+    <a:masterClrMapping/>
+  </p:clrMapOvr>
+  <p:transition spd="slow">
+    <p:cut/>
+  </p:transition>
+</p:sld>
+</file>
+
+<file path=ppt/slides/slide22.xml><?xml version="1.0" encoding="utf-8"?>
+<p:sld xmlns:a="http://schemas.openxmlformats.org/drawingml/2006/main" xmlns:r="http://schemas.openxmlformats.org/officeDocument/2006/relationships" xmlns:p="http://schemas.openxmlformats.org/presentationml/2006/main">
+  <p:cSld>
+    <p:spTree>
+      <p:nvGrpSpPr>
+        <p:cNvPr id="1" name="Shape 212"/>
+        <p:cNvGrpSpPr/>
+        <p:nvPr/>
+      </p:nvGrpSpPr>
+      <p:grpSpPr>
+        <a:xfrm>
+          <a:off x="0" y="0"/>
+          <a:ext cx="0" cy="0"/>
+          <a:chOff x="0" y="0"/>
+          <a:chExt cx="0" cy="0"/>
+        </a:xfrm>
+      </p:grpSpPr>
+      <p:sp>
+        <p:nvSpPr>
+          <p:cNvPr id="213" name="Shape 213"/>
+          <p:cNvSpPr txBox="1">
+            <a:spLocks noGrp="1"/>
+          </p:cNvSpPr>
+          <p:nvPr>
+            <p:ph type="title"/>
+          </p:nvPr>
+        </p:nvSpPr>
+        <p:spPr>
+          <a:xfrm>
+            <a:off x="457200" y="139527"/>
+            <a:ext cx="8229600" cy="857400"/>
+          </a:xfrm>
+          <a:prstGeom prst="rect">
+            <a:avLst/>
+          </a:prstGeom>
+        </p:spPr>
+        <p:txBody>
+          <a:bodyPr lIns="91425" tIns="91425" rIns="91425" bIns="91425" anchor="b" anchorCtr="0">
+            <a:noAutofit/>
+          </a:bodyPr>
+          <a:lstStyle/>
+          <a:p>
+            <a:pPr lvl="0">
+              <a:spcBef>
+                <a:spcPts val="0"/>
+              </a:spcBef>
+              <a:buNone/>
+            </a:pPr>
+            <a:r>
+              <a:rPr lang="es"/>
               <a:t>Relaciones muchos a muchos</a:t>
             </a:r>
           </a:p>
@@ -8824,7 +9957,7 @@
       </p:sp>
       <p:sp>
         <p:nvSpPr>
-          <p:cNvPr id="197" name="Shape 197"/>
+          <p:cNvPr id="214" name="Shape 214"/>
           <p:cNvSpPr txBox="1">
             <a:spLocks noGrp="1"/>
           </p:cNvSpPr>
@@ -9792,7 +10925,7 @@
             </a:pPr>
             <a:r>
               <a:rPr lang="es"/>
-              <a:t>Creando un POJO (save)</a:t>
+              <a:t>Creando una sesión hibernate</a:t>
             </a:r>
           </a:p>
         </p:txBody>
@@ -9800,89 +10933,24 @@
       <p:sp>
         <p:nvSpPr>
           <p:cNvPr id="90" name="Shape 90"/>
-          <p:cNvSpPr txBox="1"/>
-          <p:nvPr/>
-        </p:nvSpPr>
-        <p:spPr>
-          <a:xfrm>
-            <a:off x="512175" y="4478775"/>
-            <a:ext cx="8134800" cy="512099"/>
+          <p:cNvSpPr txBox="1">
+            <a:spLocks noGrp="1"/>
+          </p:cNvSpPr>
+          <p:nvPr>
+            <p:ph type="body" idx="1"/>
+          </p:nvPr>
+        </p:nvSpPr>
+        <p:spPr>
+          <a:xfrm>
+            <a:off x="457200" y="1352550"/>
+            <a:ext cx="8229600" cy="1067099"/>
           </a:xfrm>
           <a:prstGeom prst="rect">
             <a:avLst/>
           </a:prstGeom>
-          <a:noFill/>
-          <a:ln>
-            <a:noFill/>
-          </a:ln>
-        </p:spPr>
-        <p:txBody>
-          <a:bodyPr lIns="91425" tIns="91425" rIns="91425" bIns="91425" anchor="t" anchorCtr="0">
-            <a:noAutofit/>
-          </a:bodyPr>
-          <a:lstStyle/>
-          <a:p>
-            <a:pPr lvl="0">
-              <a:spcBef>
-                <a:spcPts val="0"/>
-              </a:spcBef>
-              <a:buNone/>
-            </a:pPr>
-            <a:r>
-              <a:rPr lang="es"/>
-              <a:t>Podemos “extraer” el código fuera del recuadro a un método estático “getSession()” de una clase “helper” a la que se suele denominar “HibernateUtil”</a:t>
-            </a:r>
-          </a:p>
-        </p:txBody>
-      </p:sp>
-      <p:pic>
-        <p:nvPicPr>
-          <p:cNvPr id="91" name="Shape 91"/>
-          <p:cNvPicPr preferRelativeResize="0"/>
-          <p:nvPr/>
-        </p:nvPicPr>
-        <p:blipFill>
-          <a:blip r:embed="rId3">
-            <a:alphaModFix/>
-          </a:blip>
-          <a:stretch>
-            <a:fillRect/>
-          </a:stretch>
-        </p:blipFill>
-        <p:spPr>
-          <a:xfrm>
-            <a:off x="435736" y="1231225"/>
-            <a:ext cx="8305549" cy="2970387"/>
-          </a:xfrm>
-          <a:prstGeom prst="rect">
-            <a:avLst/>
-          </a:prstGeom>
-          <a:noFill/>
-          <a:ln>
-            <a:noFill/>
-          </a:ln>
-        </p:spPr>
-      </p:pic>
-      <p:sp>
-        <p:nvSpPr>
-          <p:cNvPr id="92" name="Shape 92"/>
-          <p:cNvSpPr/>
-          <p:nvPr/>
-        </p:nvSpPr>
-        <p:spPr>
-          <a:xfrm>
-            <a:off x="425000" y="3171100"/>
-            <a:ext cx="5154299" cy="1030499"/>
-          </a:xfrm>
-          <a:prstGeom prst="roundRect">
-            <a:avLst>
-              <a:gd name="adj" fmla="val 16667"/>
-            </a:avLst>
-          </a:prstGeom>
-          <a:noFill/>
-          <a:ln w="19050" cap="flat" cmpd="sng">
+          <a:ln w="9525" cap="flat" cmpd="sng">
             <a:solidFill>
-              <a:schemeClr val="dk2"/>
+              <a:srgbClr val="980000"/>
             </a:solidFill>
             <a:prstDash val="solid"/>
             <a:round/>
@@ -9891,18 +10959,269 @@
           </a:ln>
         </p:spPr>
         <p:txBody>
-          <a:bodyPr lIns="91425" tIns="91425" rIns="91425" bIns="91425" anchor="ctr" anchorCtr="0">
+          <a:bodyPr lIns="91425" tIns="91425" rIns="91425" bIns="91425" anchor="t" anchorCtr="0">
             <a:noAutofit/>
           </a:bodyPr>
           <a:lstStyle/>
           <a:p>
-            <a:pPr lvl="0">
-              <a:spcBef>
-                <a:spcPts val="0"/>
-              </a:spcBef>
-              <a:buNone/>
-            </a:pPr>
-            <a:endParaRPr/>
+            <a:pPr marL="0" lvl="0" indent="0" rtl="0">
+              <a:spcBef>
+                <a:spcPts val="0"/>
+              </a:spcBef>
+              <a:buNone/>
+            </a:pPr>
+            <a:r>
+              <a:rPr lang="es" sz="1800" b="1">
+                <a:solidFill>
+                  <a:srgbClr val="000000"/>
+                </a:solidFill>
+                <a:latin typeface="Source Code Pro"/>
+                <a:ea typeface="Source Code Pro"/>
+                <a:cs typeface="Source Code Pro"/>
+                <a:sym typeface="Source Code Pro"/>
+              </a:rPr>
+              <a:t>SessionFactory </a:t>
+            </a:r>
+            <a:r>
+              <a:rPr lang="es" sz="1800">
+                <a:solidFill>
+                  <a:srgbClr val="000000"/>
+                </a:solidFill>
+                <a:latin typeface="Source Code Pro"/>
+                <a:ea typeface="Source Code Pro"/>
+                <a:cs typeface="Source Code Pro"/>
+                <a:sym typeface="Source Code Pro"/>
+              </a:rPr>
+              <a:t>sf = new </a:t>
+            </a:r>
+            <a:r>
+              <a:rPr lang="es" sz="1800" i="1">
+                <a:solidFill>
+                  <a:srgbClr val="0000FF"/>
+                </a:solidFill>
+                <a:latin typeface="Source Code Pro"/>
+                <a:ea typeface="Source Code Pro"/>
+                <a:cs typeface="Source Code Pro"/>
+                <a:sym typeface="Source Code Pro"/>
+              </a:rPr>
+              <a:t>Configuration</a:t>
+            </a:r>
+            <a:r>
+              <a:rPr lang="es" sz="1800">
+                <a:solidFill>
+                  <a:srgbClr val="0000FF"/>
+                </a:solidFill>
+                <a:latin typeface="Source Code Pro"/>
+                <a:ea typeface="Source Code Pro"/>
+                <a:cs typeface="Source Code Pro"/>
+                <a:sym typeface="Source Code Pro"/>
+              </a:rPr>
+              <a:t>().</a:t>
+            </a:r>
+            <a:r>
+              <a:rPr lang="es" sz="1800" i="1">
+                <a:solidFill>
+                  <a:srgbClr val="0000FF"/>
+                </a:solidFill>
+                <a:latin typeface="Source Code Pro"/>
+                <a:ea typeface="Source Code Pro"/>
+                <a:cs typeface="Source Code Pro"/>
+                <a:sym typeface="Source Code Pro"/>
+              </a:rPr>
+              <a:t>configure</a:t>
+            </a:r>
+            <a:r>
+              <a:rPr lang="es" sz="1800">
+                <a:solidFill>
+                  <a:srgbClr val="0000FF"/>
+                </a:solidFill>
+                <a:latin typeface="Source Code Pro"/>
+                <a:ea typeface="Source Code Pro"/>
+                <a:cs typeface="Source Code Pro"/>
+                <a:sym typeface="Source Code Pro"/>
+              </a:rPr>
+              <a:t>().</a:t>
+            </a:r>
+            <a:r>
+              <a:rPr lang="es" sz="1800" i="1">
+                <a:solidFill>
+                  <a:srgbClr val="0000FF"/>
+                </a:solidFill>
+                <a:latin typeface="Source Code Pro"/>
+                <a:ea typeface="Source Code Pro"/>
+                <a:cs typeface="Source Code Pro"/>
+                <a:sym typeface="Source Code Pro"/>
+              </a:rPr>
+              <a:t>buildSessionFactory</a:t>
+            </a:r>
+            <a:r>
+              <a:rPr lang="es" sz="1800">
+                <a:solidFill>
+                  <a:srgbClr val="0000FF"/>
+                </a:solidFill>
+                <a:latin typeface="Source Code Pro"/>
+                <a:ea typeface="Source Code Pro"/>
+                <a:cs typeface="Source Code Pro"/>
+                <a:sym typeface="Source Code Pro"/>
+              </a:rPr>
+              <a:t>()</a:t>
+            </a:r>
+            <a:r>
+              <a:rPr lang="es" sz="1800">
+                <a:solidFill>
+                  <a:srgbClr val="000000"/>
+                </a:solidFill>
+                <a:latin typeface="Source Code Pro"/>
+                <a:ea typeface="Source Code Pro"/>
+                <a:cs typeface="Source Code Pro"/>
+                <a:sym typeface="Source Code Pro"/>
+              </a:rPr>
+              <a:t>;</a:t>
+            </a:r>
+          </a:p>
+          <a:p>
+            <a:pPr lvl="0" rtl="0">
+              <a:spcBef>
+                <a:spcPts val="0"/>
+              </a:spcBef>
+              <a:buNone/>
+            </a:pPr>
+            <a:r>
+              <a:rPr lang="es" sz="1800" b="1">
+                <a:solidFill>
+                  <a:srgbClr val="000000"/>
+                </a:solidFill>
+                <a:latin typeface="Source Code Pro"/>
+                <a:ea typeface="Source Code Pro"/>
+                <a:cs typeface="Source Code Pro"/>
+                <a:sym typeface="Source Code Pro"/>
+              </a:rPr>
+              <a:t>Session </a:t>
+            </a:r>
+            <a:r>
+              <a:rPr lang="es" sz="1800" b="1">
+                <a:solidFill>
+                  <a:srgbClr val="980000"/>
+                </a:solidFill>
+                <a:latin typeface="Source Code Pro"/>
+                <a:ea typeface="Source Code Pro"/>
+                <a:cs typeface="Source Code Pro"/>
+                <a:sym typeface="Source Code Pro"/>
+              </a:rPr>
+              <a:t>session</a:t>
+            </a:r>
+            <a:r>
+              <a:rPr lang="es" sz="1800">
+                <a:solidFill>
+                  <a:srgbClr val="000000"/>
+                </a:solidFill>
+                <a:latin typeface="Source Code Pro"/>
+                <a:ea typeface="Source Code Pro"/>
+                <a:cs typeface="Source Code Pro"/>
+                <a:sym typeface="Source Code Pro"/>
+              </a:rPr>
+              <a:t>=sf.</a:t>
+            </a:r>
+            <a:r>
+              <a:rPr lang="es" sz="1800" i="1">
+                <a:solidFill>
+                  <a:srgbClr val="0000FF"/>
+                </a:solidFill>
+                <a:latin typeface="Source Code Pro"/>
+                <a:ea typeface="Source Code Pro"/>
+                <a:cs typeface="Source Code Pro"/>
+                <a:sym typeface="Source Code Pro"/>
+              </a:rPr>
+              <a:t>openSession</a:t>
+            </a:r>
+            <a:r>
+              <a:rPr lang="es" sz="1800">
+                <a:solidFill>
+                  <a:srgbClr val="0000FF"/>
+                </a:solidFill>
+                <a:latin typeface="Source Code Pro"/>
+                <a:ea typeface="Source Code Pro"/>
+                <a:cs typeface="Source Code Pro"/>
+                <a:sym typeface="Source Code Pro"/>
+              </a:rPr>
+              <a:t>()</a:t>
+            </a:r>
+            <a:r>
+              <a:rPr lang="es" sz="1800">
+                <a:solidFill>
+                  <a:srgbClr val="000000"/>
+                </a:solidFill>
+                <a:latin typeface="Source Code Pro"/>
+                <a:ea typeface="Source Code Pro"/>
+                <a:cs typeface="Source Code Pro"/>
+                <a:sym typeface="Source Code Pro"/>
+              </a:rPr>
+              <a:t>;</a:t>
+            </a:r>
+          </a:p>
+        </p:txBody>
+      </p:sp>
+      <p:sp>
+        <p:nvSpPr>
+          <p:cNvPr id="91" name="Shape 91"/>
+          <p:cNvSpPr txBox="1"/>
+          <p:nvPr/>
+        </p:nvSpPr>
+        <p:spPr>
+          <a:xfrm>
+            <a:off x="457200" y="2832400"/>
+            <a:ext cx="8229600" cy="1968299"/>
+          </a:xfrm>
+          <a:prstGeom prst="rect">
+            <a:avLst/>
+          </a:prstGeom>
+          <a:noFill/>
+          <a:ln>
+            <a:noFill/>
+          </a:ln>
+        </p:spPr>
+        <p:txBody>
+          <a:bodyPr lIns="91425" tIns="91425" rIns="91425" bIns="91425" anchor="t" anchorCtr="0">
+            <a:noAutofit/>
+          </a:bodyPr>
+          <a:lstStyle/>
+          <a:p>
+            <a:pPr marL="457200" lvl="0" indent="-355600" rtl="0">
+              <a:spcBef>
+                <a:spcPts val="0"/>
+              </a:spcBef>
+              <a:buSzPct val="100000"/>
+              <a:buChar char="●"/>
+            </a:pPr>
+            <a:r>
+              <a:rPr lang="es" sz="2000"/>
+              <a:t>Es el objeto “</a:t>
+            </a:r>
+            <a:r>
+              <a:rPr lang="es" sz="2000" b="1">
+                <a:solidFill>
+                  <a:srgbClr val="980000"/>
+                </a:solidFill>
+              </a:rPr>
+              <a:t>session</a:t>
+            </a:r>
+            <a:r>
+              <a:rPr lang="es" sz="2000"/>
+              <a:t>”, es el objeto principal a través del cual nos comunicaremos con hibernate para hacer cualquier operación de persistencia.</a:t>
+            </a:r>
+          </a:p>
+          <a:p>
+            <a:pPr marL="457200" lvl="0" indent="-355600" rtl="0">
+              <a:spcBef>
+                <a:spcPts val="0"/>
+              </a:spcBef>
+              <a:buSzPct val="100000"/>
+              <a:buChar char="●"/>
+            </a:pPr>
+            <a:r>
+              <a:rPr lang="es" sz="2000"/>
+              <a:t>Podemos ubicar este código en un método estático “getSession()” de una clase “helper” a la que se suele denominar “HibernateUtil”, o bien en un atributo protegido de una clase de la que heredemos</a:t>
+            </a:r>
           </a:p>
         </p:txBody>
       </p:sp>
@@ -9922,7 +11241,7 @@
   <p:cSld>
     <p:spTree>
       <p:nvGrpSpPr>
-        <p:cNvPr id="1" name="Shape 96"/>
+        <p:cNvPr id="1" name="Shape 95"/>
         <p:cNvGrpSpPr/>
         <p:nvPr/>
       </p:nvGrpSpPr>
@@ -9936,6 +11255,208 @@
       </p:grpSpPr>
       <p:sp>
         <p:nvSpPr>
+          <p:cNvPr id="96" name="Shape 96"/>
+          <p:cNvSpPr txBox="1"/>
+          <p:nvPr/>
+        </p:nvSpPr>
+        <p:spPr>
+          <a:xfrm>
+            <a:off x="512175" y="1254375"/>
+            <a:ext cx="8134800" cy="1850400"/>
+          </a:xfrm>
+          <a:prstGeom prst="rect">
+            <a:avLst/>
+          </a:prstGeom>
+          <a:noFill/>
+          <a:ln w="9525" cap="flat" cmpd="sng">
+            <a:solidFill>
+              <a:srgbClr val="980000"/>
+            </a:solidFill>
+            <a:prstDash val="solid"/>
+            <a:round/>
+            <a:headEnd type="none" w="med" len="med"/>
+            <a:tailEnd type="none" w="med" len="med"/>
+          </a:ln>
+        </p:spPr>
+        <p:txBody>
+          <a:bodyPr lIns="91425" tIns="91425" rIns="91425" bIns="91425" anchor="ctr" anchorCtr="0">
+            <a:noAutofit/>
+          </a:bodyPr>
+          <a:lstStyle/>
+          <a:p>
+            <a:pPr lvl="0" rtl="0">
+              <a:spcBef>
+                <a:spcPts val="0"/>
+              </a:spcBef>
+              <a:buNone/>
+            </a:pPr>
+            <a:r>
+              <a:rPr lang="es" sz="2400" b="1">
+                <a:latin typeface="Source Code Pro"/>
+                <a:ea typeface="Source Code Pro"/>
+                <a:cs typeface="Source Code Pro"/>
+                <a:sym typeface="Source Code Pro"/>
+              </a:rPr>
+              <a:t>Transaction </a:t>
+            </a:r>
+            <a:r>
+              <a:rPr lang="es" sz="2400">
+                <a:latin typeface="Source Code Pro"/>
+                <a:ea typeface="Source Code Pro"/>
+                <a:cs typeface="Source Code Pro"/>
+                <a:sym typeface="Source Code Pro"/>
+              </a:rPr>
+              <a:t>t = session.</a:t>
+            </a:r>
+            <a:r>
+              <a:rPr lang="es" sz="2400" i="1">
+                <a:solidFill>
+                  <a:srgbClr val="0000FF"/>
+                </a:solidFill>
+                <a:latin typeface="Source Code Pro"/>
+                <a:ea typeface="Source Code Pro"/>
+                <a:cs typeface="Source Code Pro"/>
+                <a:sym typeface="Source Code Pro"/>
+              </a:rPr>
+              <a:t>beginTransaction</a:t>
+            </a:r>
+            <a:r>
+              <a:rPr lang="es" sz="2400">
+                <a:latin typeface="Source Code Pro"/>
+                <a:ea typeface="Source Code Pro"/>
+                <a:cs typeface="Source Code Pro"/>
+                <a:sym typeface="Source Code Pro"/>
+              </a:rPr>
+              <a:t>();</a:t>
+            </a:r>
+          </a:p>
+          <a:p>
+            <a:pPr lvl="0" rtl="0">
+              <a:spcBef>
+                <a:spcPts val="0"/>
+              </a:spcBef>
+              <a:buNone/>
+            </a:pPr>
+            <a:r>
+              <a:rPr lang="es" sz="2400" b="1">
+                <a:latin typeface="Source Code Pro"/>
+                <a:ea typeface="Source Code Pro"/>
+                <a:cs typeface="Source Code Pro"/>
+                <a:sym typeface="Source Code Pro"/>
+              </a:rPr>
+              <a:t>   Pojo </a:t>
+            </a:r>
+            <a:r>
+              <a:rPr lang="es" sz="2400">
+                <a:latin typeface="Source Code Pro"/>
+                <a:ea typeface="Source Code Pro"/>
+                <a:cs typeface="Source Code Pro"/>
+                <a:sym typeface="Source Code Pro"/>
+              </a:rPr>
+              <a:t>p = new </a:t>
+            </a:r>
+            <a:r>
+              <a:rPr lang="es" sz="2400" i="1">
+                <a:solidFill>
+                  <a:srgbClr val="0000FF"/>
+                </a:solidFill>
+                <a:latin typeface="Source Code Pro"/>
+                <a:ea typeface="Source Code Pro"/>
+                <a:cs typeface="Source Code Pro"/>
+                <a:sym typeface="Source Code Pro"/>
+              </a:rPr>
+              <a:t>Pojo</a:t>
+            </a:r>
+            <a:r>
+              <a:rPr lang="es" sz="2400">
+                <a:latin typeface="Source Code Pro"/>
+                <a:ea typeface="Source Code Pro"/>
+                <a:cs typeface="Source Code Pro"/>
+                <a:sym typeface="Source Code Pro"/>
+              </a:rPr>
+              <a:t>();</a:t>
+            </a:r>
+          </a:p>
+          <a:p>
+            <a:pPr lvl="0" rtl="0">
+              <a:spcBef>
+                <a:spcPts val="0"/>
+              </a:spcBef>
+              <a:buNone/>
+            </a:pPr>
+            <a:r>
+              <a:rPr lang="es" sz="2400">
+                <a:latin typeface="Source Code Pro"/>
+                <a:ea typeface="Source Code Pro"/>
+                <a:cs typeface="Source Code Pro"/>
+                <a:sym typeface="Source Code Pro"/>
+              </a:rPr>
+              <a:t>   session.</a:t>
+            </a:r>
+            <a:r>
+              <a:rPr lang="es" sz="2400" i="1">
+                <a:solidFill>
+                  <a:srgbClr val="0000FF"/>
+                </a:solidFill>
+                <a:latin typeface="Source Code Pro"/>
+                <a:ea typeface="Source Code Pro"/>
+                <a:cs typeface="Source Code Pro"/>
+                <a:sym typeface="Source Code Pro"/>
+              </a:rPr>
+              <a:t>save</a:t>
+            </a:r>
+            <a:r>
+              <a:rPr lang="es" sz="2400">
+                <a:latin typeface="Source Code Pro"/>
+                <a:ea typeface="Source Code Pro"/>
+                <a:cs typeface="Source Code Pro"/>
+                <a:sym typeface="Source Code Pro"/>
+              </a:rPr>
+              <a:t>(p);</a:t>
+            </a:r>
+          </a:p>
+          <a:p>
+            <a:pPr lvl="0" rtl="0">
+              <a:spcBef>
+                <a:spcPts val="0"/>
+              </a:spcBef>
+              <a:buNone/>
+            </a:pPr>
+            <a:r>
+              <a:rPr lang="es" sz="2400">
+                <a:latin typeface="Source Code Pro"/>
+                <a:ea typeface="Source Code Pro"/>
+                <a:cs typeface="Source Code Pro"/>
+                <a:sym typeface="Source Code Pro"/>
+              </a:rPr>
+              <a:t>t.</a:t>
+            </a:r>
+            <a:r>
+              <a:rPr lang="es" sz="2400" i="1">
+                <a:solidFill>
+                  <a:srgbClr val="0000FF"/>
+                </a:solidFill>
+                <a:latin typeface="Source Code Pro"/>
+                <a:ea typeface="Source Code Pro"/>
+                <a:cs typeface="Source Code Pro"/>
+                <a:sym typeface="Source Code Pro"/>
+              </a:rPr>
+              <a:t>commit</a:t>
+            </a:r>
+            <a:r>
+              <a:rPr lang="es" sz="2400">
+                <a:latin typeface="Source Code Pro"/>
+                <a:ea typeface="Source Code Pro"/>
+                <a:cs typeface="Source Code Pro"/>
+                <a:sym typeface="Source Code Pro"/>
+              </a:rPr>
+              <a:t>();</a:t>
+            </a:r>
+          </a:p>
+        </p:txBody>
+      </p:sp>
+      <p:sp>
+        <p:nvSpPr>
           <p:cNvPr id="97" name="Shape 97"/>
           <p:cNvSpPr txBox="1">
             <a:spLocks noGrp="1"/>
@@ -9966,30 +11487,22 @@
               <a:buNone/>
             </a:pPr>
             <a:r>
-              <a:rPr lang="es" sz="3400"/>
-              <a:t>Recuperar un POJO conociendo su id</a:t>
+              <a:rPr lang="es"/>
+              <a:t>Persistir un POJO (save)</a:t>
             </a:r>
           </a:p>
         </p:txBody>
       </p:sp>
-      <p:pic>
-        <p:nvPicPr>
+      <p:sp>
+        <p:nvSpPr>
           <p:cNvPr id="98" name="Shape 98"/>
-          <p:cNvPicPr preferRelativeResize="0"/>
+          <p:cNvSpPr txBox="1"/>
           <p:nvPr/>
-        </p:nvPicPr>
-        <p:blipFill>
-          <a:blip r:embed="rId3">
-            <a:alphaModFix/>
-          </a:blip>
-          <a:stretch>
-            <a:fillRect/>
-          </a:stretch>
-        </p:blipFill>
-        <p:spPr>
-          <a:xfrm>
-            <a:off x="695125" y="1863675"/>
-            <a:ext cx="7753749" cy="1776399"/>
+        </p:nvSpPr>
+        <p:spPr>
+          <a:xfrm>
+            <a:off x="457200" y="3365800"/>
+            <a:ext cx="8229600" cy="1361700"/>
           </a:xfrm>
           <a:prstGeom prst="rect">
             <a:avLst/>
@@ -9999,112 +11512,35 @@
             <a:noFill/>
           </a:ln>
         </p:spPr>
-      </p:pic>
-      <p:sp>
-        <p:nvSpPr>
-          <p:cNvPr id="99" name="Shape 99"/>
-          <p:cNvSpPr/>
-          <p:nvPr/>
-        </p:nvSpPr>
-        <p:spPr>
-          <a:xfrm>
-            <a:off x="7497300" y="2288425"/>
-            <a:ext cx="479399" cy="457800"/>
-          </a:xfrm>
-          <a:prstGeom prst="roundRect">
-            <a:avLst>
-              <a:gd name="adj" fmla="val 16667"/>
-            </a:avLst>
-          </a:prstGeom>
-          <a:noFill/>
-          <a:ln w="19050" cap="flat" cmpd="sng">
-            <a:solidFill>
-              <a:schemeClr val="dk2"/>
-            </a:solidFill>
-            <a:prstDash val="solid"/>
-            <a:round/>
-            <a:headEnd type="none" w="med" len="med"/>
-            <a:tailEnd type="none" w="med" len="med"/>
-          </a:ln>
-        </p:spPr>
-        <p:txBody>
-          <a:bodyPr lIns="91425" tIns="91425" rIns="91425" bIns="91425" anchor="ctr" anchorCtr="0">
-            <a:noAutofit/>
-          </a:bodyPr>
-          <a:lstStyle/>
-          <a:p>
-            <a:pPr lvl="0">
-              <a:spcBef>
-                <a:spcPts val="0"/>
-              </a:spcBef>
-              <a:buNone/>
-            </a:pPr>
-            <a:endParaRPr/>
-          </a:p>
-        </p:txBody>
-      </p:sp>
-      <p:cxnSp>
-        <p:nvCxnSpPr>
-          <p:cNvPr id="100" name="Shape 100"/>
-          <p:cNvCxnSpPr>
-            <a:endCxn id="99" idx="2"/>
-          </p:cNvCxnSpPr>
-          <p:nvPr/>
-        </p:nvCxnSpPr>
-        <p:spPr>
-          <a:xfrm rot="10800000" flipH="1">
-            <a:off x="6255000" y="2746225"/>
-            <a:ext cx="1482000" cy="1133100"/>
-          </a:xfrm>
-          <a:prstGeom prst="straightConnector1">
-            <a:avLst/>
-          </a:prstGeom>
-          <a:noFill/>
-          <a:ln w="19050" cap="flat" cmpd="sng">
-            <a:solidFill>
-              <a:schemeClr val="dk2"/>
-            </a:solidFill>
-            <a:prstDash val="solid"/>
-            <a:round/>
-            <a:headEnd type="none" w="lg" len="lg"/>
-            <a:tailEnd type="triangle" w="lg" len="lg"/>
-          </a:ln>
-        </p:spPr>
-      </p:cxnSp>
-      <p:sp>
-        <p:nvSpPr>
-          <p:cNvPr id="101" name="Shape 101"/>
-          <p:cNvSpPr txBox="1"/>
-          <p:nvPr/>
-        </p:nvSpPr>
-        <p:spPr>
-          <a:xfrm>
-            <a:off x="5056325" y="3824925"/>
-            <a:ext cx="3192899" cy="544800"/>
-          </a:xfrm>
-          <a:prstGeom prst="rect">
-            <a:avLst/>
-          </a:prstGeom>
-          <a:noFill/>
-          <a:ln>
-            <a:noFill/>
-          </a:ln>
-        </p:spPr>
         <p:txBody>
           <a:bodyPr lIns="91425" tIns="91425" rIns="91425" bIns="91425" anchor="t" anchorCtr="0">
             <a:noAutofit/>
           </a:bodyPr>
           <a:lstStyle/>
           <a:p>
-            <a:pPr lvl="0">
-              <a:spcBef>
-                <a:spcPts val="0"/>
-              </a:spcBef>
-              <a:buNone/>
-            </a:pPr>
-            <a:r>
-              <a:rPr lang="es"/>
-              <a:t>Introducir aquí el id conocido. Cualificarlo con “L” para que sea long</a:t>
+            <a:pPr marL="457200" lvl="0" indent="-355600" rtl="0">
+              <a:spcBef>
+                <a:spcPts val="0"/>
+              </a:spcBef>
+              <a:buSzPct val="100000"/>
+              <a:buChar char="●"/>
+            </a:pPr>
+            <a:r>
+              <a:rPr lang="es" sz="2000"/>
+              <a:t>Es necesario que exista el objeto session, y crear una transacción para acotar la operación “CUD”</a:t>
+            </a:r>
+          </a:p>
+          <a:p>
+            <a:pPr marL="457200" lvl="0" indent="-355600" rtl="0">
+              <a:spcBef>
+                <a:spcPts val="0"/>
+              </a:spcBef>
+              <a:buSzPct val="100000"/>
+              <a:buChar char="●"/>
+            </a:pPr>
+            <a:r>
+              <a:rPr lang="es" sz="2000"/>
+              <a:t>“p” podría haber sido obtenido de otra manera, no hay que crearlo (es tan solo un ejemplo)</a:t>
             </a:r>
           </a:p>
         </p:txBody>
